--- a/PresentationKnittingAlgorithm.pptx
+++ b/PresentationKnittingAlgorithm.pptx
@@ -1,11 +1,25 @@
 
 <file path=ppt/presentation.xml><?xml version="1.0" encoding="utf-8"?>
-<p:presentation xmlns:a="http://schemas.openxmlformats.org/drawingml/2006/main" xmlns:r="http://schemas.openxmlformats.org/officeDocument/2006/relationships" xmlns:p="http://schemas.openxmlformats.org/presentationml/2006/main" saveSubsetFonts="1" autoCompressPictures="0">
+<p:presentation xmlns:a="http://schemas.openxmlformats.org/drawingml/2006/main" xmlns:r="http://schemas.openxmlformats.org/officeDocument/2006/relationships" xmlns:p="http://schemas.openxmlformats.org/presentationml/2006/main" showSpecialPlsOnTitleSld="0" saveSubsetFonts="1" autoCompressPictures="0">
   <p:sldMasterIdLst>
     <p:sldMasterId id="2147483648" r:id="rId1"/>
   </p:sldMasterIdLst>
+  <p:notesMasterIdLst>
+    <p:notesMasterId r:id="rId14"/>
+  </p:notesMasterIdLst>
   <p:sldIdLst>
     <p:sldId id="256" r:id="rId2"/>
+    <p:sldId id="259" r:id="rId3"/>
+    <p:sldId id="260" r:id="rId4"/>
+    <p:sldId id="257" r:id="rId5"/>
+    <p:sldId id="261" r:id="rId6"/>
+    <p:sldId id="258" r:id="rId7"/>
+    <p:sldId id="262" r:id="rId8"/>
+    <p:sldId id="264" r:id="rId9"/>
+    <p:sldId id="266" r:id="rId10"/>
+    <p:sldId id="268" r:id="rId11"/>
+    <p:sldId id="263" r:id="rId12"/>
+    <p:sldId id="265" r:id="rId13"/>
   </p:sldIdLst>
   <p:sldSz cx="12192000" cy="6858000"/>
   <p:notesSz cx="6858000" cy="9144000"/>
@@ -107,6 +121,355 @@
 </p:presentation>
 </file>
 
+<file path=ppt/notesMasters/notesMaster1.xml><?xml version="1.0" encoding="utf-8"?>
+<p:notesMaster xmlns:a="http://schemas.openxmlformats.org/drawingml/2006/main" xmlns:r="http://schemas.openxmlformats.org/officeDocument/2006/relationships" xmlns:p="http://schemas.openxmlformats.org/presentationml/2006/main">
+  <p:cSld>
+    <p:bg>
+      <p:bgRef idx="1001">
+        <a:schemeClr val="bg1"/>
+      </p:bgRef>
+    </p:bg>
+    <p:spTree>
+      <p:nvGrpSpPr>
+        <p:cNvPr id="1" name=""/>
+        <p:cNvGrpSpPr/>
+        <p:nvPr/>
+      </p:nvGrpSpPr>
+      <p:grpSpPr>
+        <a:xfrm>
+          <a:off x="0" y="0"/>
+          <a:ext cx="0" cy="0"/>
+          <a:chOff x="0" y="0"/>
+          <a:chExt cx="0" cy="0"/>
+        </a:xfrm>
+      </p:grpSpPr>
+      <p:sp>
+        <p:nvSpPr>
+          <p:cNvPr id="2" name="Header Placeholder 1"/>
+          <p:cNvSpPr>
+            <a:spLocks noGrp="1"/>
+          </p:cNvSpPr>
+          <p:nvPr>
+            <p:ph type="hdr" sz="quarter"/>
+          </p:nvPr>
+        </p:nvSpPr>
+        <p:spPr>
+          <a:xfrm>
+            <a:off x="0" y="0"/>
+            <a:ext cx="2971800" cy="458788"/>
+          </a:xfrm>
+          <a:prstGeom prst="rect">
+            <a:avLst/>
+          </a:prstGeom>
+        </p:spPr>
+        <p:txBody>
+          <a:bodyPr vert="horz" lIns="91440" tIns="45720" rIns="91440" bIns="45720" rtlCol="0"/>
+          <a:lstStyle>
+            <a:lvl1pPr algn="l">
+              <a:defRPr sz="1200"/>
+            </a:lvl1pPr>
+          </a:lstStyle>
+          <a:p>
+            <a:endParaRPr lang="en-US"/>
+          </a:p>
+        </p:txBody>
+      </p:sp>
+      <p:sp>
+        <p:nvSpPr>
+          <p:cNvPr id="3" name="Date Placeholder 2"/>
+          <p:cNvSpPr>
+            <a:spLocks noGrp="1"/>
+          </p:cNvSpPr>
+          <p:nvPr>
+            <p:ph type="dt" idx="1"/>
+          </p:nvPr>
+        </p:nvSpPr>
+        <p:spPr>
+          <a:xfrm>
+            <a:off x="3884613" y="0"/>
+            <a:ext cx="2971800" cy="458788"/>
+          </a:xfrm>
+          <a:prstGeom prst="rect">
+            <a:avLst/>
+          </a:prstGeom>
+        </p:spPr>
+        <p:txBody>
+          <a:bodyPr vert="horz" lIns="91440" tIns="45720" rIns="91440" bIns="45720" rtlCol="0"/>
+          <a:lstStyle>
+            <a:lvl1pPr algn="r">
+              <a:defRPr sz="1200"/>
+            </a:lvl1pPr>
+          </a:lstStyle>
+          <a:p>
+            <a:fld id="{E7E2D549-6ECD-E541-BC42-E28240E6B4C6}" type="datetimeFigureOut">
+              <a:rPr lang="en-US" smtClean="0"/>
+              <a:t>4/21/23</a:t>
+            </a:fld>
+            <a:endParaRPr lang="en-US"/>
+          </a:p>
+        </p:txBody>
+      </p:sp>
+      <p:sp>
+        <p:nvSpPr>
+          <p:cNvPr id="4" name="Slide Image Placeholder 3"/>
+          <p:cNvSpPr>
+            <a:spLocks noGrp="1" noRot="1" noChangeAspect="1"/>
+          </p:cNvSpPr>
+          <p:nvPr>
+            <p:ph type="sldImg" idx="2"/>
+          </p:nvPr>
+        </p:nvSpPr>
+        <p:spPr>
+          <a:xfrm>
+            <a:off x="685800" y="1143000"/>
+            <a:ext cx="5486400" cy="3086100"/>
+          </a:xfrm>
+          <a:prstGeom prst="rect">
+            <a:avLst/>
+          </a:prstGeom>
+          <a:noFill/>
+          <a:ln w="12700">
+            <a:solidFill>
+              <a:prstClr val="black"/>
+            </a:solidFill>
+          </a:ln>
+        </p:spPr>
+        <p:txBody>
+          <a:bodyPr vert="horz" lIns="91440" tIns="45720" rIns="91440" bIns="45720" rtlCol="0" anchor="ctr"/>
+          <a:lstStyle/>
+          <a:p>
+            <a:endParaRPr lang="en-US"/>
+          </a:p>
+        </p:txBody>
+      </p:sp>
+      <p:sp>
+        <p:nvSpPr>
+          <p:cNvPr id="5" name="Notes Placeholder 4"/>
+          <p:cNvSpPr>
+            <a:spLocks noGrp="1"/>
+          </p:cNvSpPr>
+          <p:nvPr>
+            <p:ph type="body" sz="quarter" idx="3"/>
+          </p:nvPr>
+        </p:nvSpPr>
+        <p:spPr>
+          <a:xfrm>
+            <a:off x="685800" y="4400550"/>
+            <a:ext cx="5486400" cy="3600450"/>
+          </a:xfrm>
+          <a:prstGeom prst="rect">
+            <a:avLst/>
+          </a:prstGeom>
+        </p:spPr>
+        <p:txBody>
+          <a:bodyPr vert="horz" lIns="91440" tIns="45720" rIns="91440" bIns="45720" rtlCol="0"/>
+          <a:lstStyle/>
+          <a:p>
+            <a:pPr lvl="0"/>
+            <a:r>
+              <a:rPr lang="en-US"/>
+              <a:t>Click to edit Master text styles</a:t>
+            </a:r>
+          </a:p>
+          <a:p>
+            <a:pPr lvl="1"/>
+            <a:r>
+              <a:rPr lang="en-US"/>
+              <a:t>Second level</a:t>
+            </a:r>
+          </a:p>
+          <a:p>
+            <a:pPr lvl="2"/>
+            <a:r>
+              <a:rPr lang="en-US"/>
+              <a:t>Third level</a:t>
+            </a:r>
+          </a:p>
+          <a:p>
+            <a:pPr lvl="3"/>
+            <a:r>
+              <a:rPr lang="en-US"/>
+              <a:t>Fourth level</a:t>
+            </a:r>
+          </a:p>
+          <a:p>
+            <a:pPr lvl="4"/>
+            <a:r>
+              <a:rPr lang="en-US"/>
+              <a:t>Fifth level</a:t>
+            </a:r>
+          </a:p>
+        </p:txBody>
+      </p:sp>
+      <p:sp>
+        <p:nvSpPr>
+          <p:cNvPr id="6" name="Footer Placeholder 5"/>
+          <p:cNvSpPr>
+            <a:spLocks noGrp="1"/>
+          </p:cNvSpPr>
+          <p:nvPr>
+            <p:ph type="ftr" sz="quarter" idx="4"/>
+          </p:nvPr>
+        </p:nvSpPr>
+        <p:spPr>
+          <a:xfrm>
+            <a:off x="0" y="8685213"/>
+            <a:ext cx="2971800" cy="458787"/>
+          </a:xfrm>
+          <a:prstGeom prst="rect">
+            <a:avLst/>
+          </a:prstGeom>
+        </p:spPr>
+        <p:txBody>
+          <a:bodyPr vert="horz" lIns="91440" tIns="45720" rIns="91440" bIns="45720" rtlCol="0" anchor="b"/>
+          <a:lstStyle>
+            <a:lvl1pPr algn="l">
+              <a:defRPr sz="1200"/>
+            </a:lvl1pPr>
+          </a:lstStyle>
+          <a:p>
+            <a:endParaRPr lang="en-US"/>
+          </a:p>
+        </p:txBody>
+      </p:sp>
+      <p:sp>
+        <p:nvSpPr>
+          <p:cNvPr id="7" name="Slide Number Placeholder 6"/>
+          <p:cNvSpPr>
+            <a:spLocks noGrp="1"/>
+          </p:cNvSpPr>
+          <p:nvPr>
+            <p:ph type="sldNum" sz="quarter" idx="5"/>
+          </p:nvPr>
+        </p:nvSpPr>
+        <p:spPr>
+          <a:xfrm>
+            <a:off x="3884613" y="8685213"/>
+            <a:ext cx="2971800" cy="458787"/>
+          </a:xfrm>
+          <a:prstGeom prst="rect">
+            <a:avLst/>
+          </a:prstGeom>
+        </p:spPr>
+        <p:txBody>
+          <a:bodyPr vert="horz" lIns="91440" tIns="45720" rIns="91440" bIns="45720" rtlCol="0" anchor="b"/>
+          <a:lstStyle>
+            <a:lvl1pPr algn="r">
+              <a:defRPr sz="1200"/>
+            </a:lvl1pPr>
+          </a:lstStyle>
+          <a:p>
+            <a:fld id="{186122BB-AEBB-5748-9C4D-26BD567F5096}" type="slidenum">
+              <a:rPr lang="en-US" smtClean="0"/>
+              <a:t>‹#›</a:t>
+            </a:fld>
+            <a:endParaRPr lang="en-US"/>
+          </a:p>
+        </p:txBody>
+      </p:sp>
+    </p:spTree>
+    <p:extLst>
+      <p:ext uri="{BB962C8B-B14F-4D97-AF65-F5344CB8AC3E}">
+        <p14:creationId xmlns:p14="http://schemas.microsoft.com/office/powerpoint/2010/main" val="3143163698"/>
+      </p:ext>
+    </p:extLst>
+  </p:cSld>
+  <p:clrMap bg1="lt1" tx1="dk1" bg2="lt2" tx2="dk2" accent1="accent1" accent2="accent2" accent3="accent3" accent4="accent4" accent5="accent5" accent6="accent6" hlink="hlink" folHlink="folHlink"/>
+  <p:notesStyle>
+    <a:lvl1pPr marL="0" algn="l" defTabSz="914400" rtl="0" eaLnBrk="1" latinLnBrk="0" hangingPunct="1">
+      <a:defRPr sz="1200" kern="1200">
+        <a:solidFill>
+          <a:schemeClr val="tx1"/>
+        </a:solidFill>
+        <a:latin typeface="+mn-lt"/>
+        <a:ea typeface="+mn-ea"/>
+        <a:cs typeface="+mn-cs"/>
+      </a:defRPr>
+    </a:lvl1pPr>
+    <a:lvl2pPr marL="457200" algn="l" defTabSz="914400" rtl="0" eaLnBrk="1" latinLnBrk="0" hangingPunct="1">
+      <a:defRPr sz="1200" kern="1200">
+        <a:solidFill>
+          <a:schemeClr val="tx1"/>
+        </a:solidFill>
+        <a:latin typeface="+mn-lt"/>
+        <a:ea typeface="+mn-ea"/>
+        <a:cs typeface="+mn-cs"/>
+      </a:defRPr>
+    </a:lvl2pPr>
+    <a:lvl3pPr marL="914400" algn="l" defTabSz="914400" rtl="0" eaLnBrk="1" latinLnBrk="0" hangingPunct="1">
+      <a:defRPr sz="1200" kern="1200">
+        <a:solidFill>
+          <a:schemeClr val="tx1"/>
+        </a:solidFill>
+        <a:latin typeface="+mn-lt"/>
+        <a:ea typeface="+mn-ea"/>
+        <a:cs typeface="+mn-cs"/>
+      </a:defRPr>
+    </a:lvl3pPr>
+    <a:lvl4pPr marL="1371600" algn="l" defTabSz="914400" rtl="0" eaLnBrk="1" latinLnBrk="0" hangingPunct="1">
+      <a:defRPr sz="1200" kern="1200">
+        <a:solidFill>
+          <a:schemeClr val="tx1"/>
+        </a:solidFill>
+        <a:latin typeface="+mn-lt"/>
+        <a:ea typeface="+mn-ea"/>
+        <a:cs typeface="+mn-cs"/>
+      </a:defRPr>
+    </a:lvl4pPr>
+    <a:lvl5pPr marL="1828800" algn="l" defTabSz="914400" rtl="0" eaLnBrk="1" latinLnBrk="0" hangingPunct="1">
+      <a:defRPr sz="1200" kern="1200">
+        <a:solidFill>
+          <a:schemeClr val="tx1"/>
+        </a:solidFill>
+        <a:latin typeface="+mn-lt"/>
+        <a:ea typeface="+mn-ea"/>
+        <a:cs typeface="+mn-cs"/>
+      </a:defRPr>
+    </a:lvl5pPr>
+    <a:lvl6pPr marL="2286000" algn="l" defTabSz="914400" rtl="0" eaLnBrk="1" latinLnBrk="0" hangingPunct="1">
+      <a:defRPr sz="1200" kern="1200">
+        <a:solidFill>
+          <a:schemeClr val="tx1"/>
+        </a:solidFill>
+        <a:latin typeface="+mn-lt"/>
+        <a:ea typeface="+mn-ea"/>
+        <a:cs typeface="+mn-cs"/>
+      </a:defRPr>
+    </a:lvl6pPr>
+    <a:lvl7pPr marL="2743200" algn="l" defTabSz="914400" rtl="0" eaLnBrk="1" latinLnBrk="0" hangingPunct="1">
+      <a:defRPr sz="1200" kern="1200">
+        <a:solidFill>
+          <a:schemeClr val="tx1"/>
+        </a:solidFill>
+        <a:latin typeface="+mn-lt"/>
+        <a:ea typeface="+mn-ea"/>
+        <a:cs typeface="+mn-cs"/>
+      </a:defRPr>
+    </a:lvl7pPr>
+    <a:lvl8pPr marL="3200400" algn="l" defTabSz="914400" rtl="0" eaLnBrk="1" latinLnBrk="0" hangingPunct="1">
+      <a:defRPr sz="1200" kern="1200">
+        <a:solidFill>
+          <a:schemeClr val="tx1"/>
+        </a:solidFill>
+        <a:latin typeface="+mn-lt"/>
+        <a:ea typeface="+mn-ea"/>
+        <a:cs typeface="+mn-cs"/>
+      </a:defRPr>
+    </a:lvl8pPr>
+    <a:lvl9pPr marL="3657600" algn="l" defTabSz="914400" rtl="0" eaLnBrk="1" latinLnBrk="0" hangingPunct="1">
+      <a:defRPr sz="1200" kern="1200">
+        <a:solidFill>
+          <a:schemeClr val="tx1"/>
+        </a:solidFill>
+        <a:latin typeface="+mn-lt"/>
+        <a:ea typeface="+mn-ea"/>
+        <a:cs typeface="+mn-cs"/>
+      </a:defRPr>
+    </a:lvl9pPr>
+  </p:notesStyle>
+</p:notesMaster>
+</file>
+
 <file path=ppt/slideLayouts/slideLayout1.xml><?xml version="1.0" encoding="utf-8"?>
 <p:sldLayout xmlns:a="http://schemas.openxmlformats.org/drawingml/2006/main" xmlns:r="http://schemas.openxmlformats.org/officeDocument/2006/relationships" xmlns:p="http://schemas.openxmlformats.org/presentationml/2006/main" type="title" preserve="1">
   <p:cSld name="Title Slide">
@@ -252,9 +615,9 @@
           <a:bodyPr/>
           <a:lstStyle/>
           <a:p>
-            <a:fld id="{DB8DE200-D73A-6140-B109-F0E4AFF7DC9D}" type="datetimeFigureOut">
+            <a:fld id="{BF379557-1029-E047-84C3-CC76E7F75024}" type="datetime1">
               <a:rPr lang="en-US" smtClean="0"/>
-              <a:t>4/21/23</a:t>
+              <a:t>4/24/23</a:t>
             </a:fld>
             <a:endParaRPr lang="en-US"/>
           </a:p>
@@ -281,7 +644,17 @@
           <a:bodyPr/>
           <a:lstStyle/>
           <a:p>
-            <a:endParaRPr lang="en-US"/>
+            <a:r>
+              <a:rPr lang="en-US"/>
+              <a:t>M. Wright. Cornish Guernseys &amp; Knitfrocks. Polperro Heritage Press, 2012.</a:t>
+            </a:r>
+          </a:p>
+          <a:p>
+            <a:r>
+              <a:rPr lang="en-US"/>
+              <a:t>
+</a:t>
+            </a:r>
           </a:p>
         </p:txBody>
       </p:sp>
@@ -450,9 +823,9 @@
           <a:bodyPr/>
           <a:lstStyle/>
           <a:p>
-            <a:fld id="{DB8DE200-D73A-6140-B109-F0E4AFF7DC9D}" type="datetimeFigureOut">
+            <a:fld id="{F7716215-29D2-8842-B08E-1D0D014ACC1C}" type="datetime1">
               <a:rPr lang="en-US" smtClean="0"/>
-              <a:t>4/21/23</a:t>
+              <a:t>4/24/23</a:t>
             </a:fld>
             <a:endParaRPr lang="en-US"/>
           </a:p>
@@ -479,7 +852,17 @@
           <a:bodyPr/>
           <a:lstStyle/>
           <a:p>
-            <a:endParaRPr lang="en-US"/>
+            <a:r>
+              <a:rPr lang="en-US"/>
+              <a:t>M. Wright. Cornish Guernseys &amp; Knitfrocks. Polperro Heritage Press, 2012.</a:t>
+            </a:r>
+          </a:p>
+          <a:p>
+            <a:r>
+              <a:rPr lang="en-US"/>
+              <a:t>
+</a:t>
+            </a:r>
           </a:p>
         </p:txBody>
       </p:sp>
@@ -658,9 +1041,9 @@
           <a:bodyPr/>
           <a:lstStyle/>
           <a:p>
-            <a:fld id="{DB8DE200-D73A-6140-B109-F0E4AFF7DC9D}" type="datetimeFigureOut">
+            <a:fld id="{CB66E47B-AB15-AF4C-887E-DDEA04A5CD29}" type="datetime1">
               <a:rPr lang="en-US" smtClean="0"/>
-              <a:t>4/21/23</a:t>
+              <a:t>4/24/23</a:t>
             </a:fld>
             <a:endParaRPr lang="en-US"/>
           </a:p>
@@ -687,7 +1070,17 @@
           <a:bodyPr/>
           <a:lstStyle/>
           <a:p>
-            <a:endParaRPr lang="en-US"/>
+            <a:r>
+              <a:rPr lang="en-US"/>
+              <a:t>M. Wright. Cornish Guernseys &amp; Knitfrocks. Polperro Heritage Press, 2012.</a:t>
+            </a:r>
+          </a:p>
+          <a:p>
+            <a:r>
+              <a:rPr lang="en-US"/>
+              <a:t>
+</a:t>
+            </a:r>
           </a:p>
         </p:txBody>
       </p:sp>
@@ -856,9 +1249,9 @@
           <a:bodyPr/>
           <a:lstStyle/>
           <a:p>
-            <a:fld id="{DB8DE200-D73A-6140-B109-F0E4AFF7DC9D}" type="datetimeFigureOut">
+            <a:fld id="{23B99589-B8E9-1540-8C31-840F1B80C67C}" type="datetime1">
               <a:rPr lang="en-US" smtClean="0"/>
-              <a:t>4/21/23</a:t>
+              <a:t>4/24/23</a:t>
             </a:fld>
             <a:endParaRPr lang="en-US"/>
           </a:p>
@@ -885,7 +1278,17 @@
           <a:bodyPr/>
           <a:lstStyle/>
           <a:p>
-            <a:endParaRPr lang="en-US"/>
+            <a:r>
+              <a:rPr lang="en-US"/>
+              <a:t>M. Wright. Cornish Guernseys &amp; Knitfrocks. Polperro Heritage Press, 2012.</a:t>
+            </a:r>
+          </a:p>
+          <a:p>
+            <a:r>
+              <a:rPr lang="en-US"/>
+              <a:t>
+</a:t>
+            </a:r>
           </a:p>
         </p:txBody>
       </p:sp>
@@ -1131,9 +1534,9 @@
           <a:bodyPr/>
           <a:lstStyle/>
           <a:p>
-            <a:fld id="{DB8DE200-D73A-6140-B109-F0E4AFF7DC9D}" type="datetimeFigureOut">
+            <a:fld id="{8171FDF5-861F-E14A-A2FF-3772FAE202C1}" type="datetime1">
               <a:rPr lang="en-US" smtClean="0"/>
-              <a:t>4/21/23</a:t>
+              <a:t>4/24/23</a:t>
             </a:fld>
             <a:endParaRPr lang="en-US"/>
           </a:p>
@@ -1160,7 +1563,17 @@
           <a:bodyPr/>
           <a:lstStyle/>
           <a:p>
-            <a:endParaRPr lang="en-US"/>
+            <a:r>
+              <a:rPr lang="en-US"/>
+              <a:t>M. Wright. Cornish Guernseys &amp; Knitfrocks. Polperro Heritage Press, 2012.</a:t>
+            </a:r>
+          </a:p>
+          <a:p>
+            <a:r>
+              <a:rPr lang="en-US"/>
+              <a:t>
+</a:t>
+            </a:r>
           </a:p>
         </p:txBody>
       </p:sp>
@@ -1396,9 +1809,9 @@
           <a:bodyPr/>
           <a:lstStyle/>
           <a:p>
-            <a:fld id="{DB8DE200-D73A-6140-B109-F0E4AFF7DC9D}" type="datetimeFigureOut">
+            <a:fld id="{50A6BA9A-272F-044E-B1F5-856B0001A840}" type="datetime1">
               <a:rPr lang="en-US" smtClean="0"/>
-              <a:t>4/21/23</a:t>
+              <a:t>4/24/23</a:t>
             </a:fld>
             <a:endParaRPr lang="en-US"/>
           </a:p>
@@ -1425,7 +1838,17 @@
           <a:bodyPr/>
           <a:lstStyle/>
           <a:p>
-            <a:endParaRPr lang="en-US"/>
+            <a:r>
+              <a:rPr lang="en-US"/>
+              <a:t>M. Wright. Cornish Guernseys &amp; Knitfrocks. Polperro Heritage Press, 2012.</a:t>
+            </a:r>
+          </a:p>
+          <a:p>
+            <a:r>
+              <a:rPr lang="en-US"/>
+              <a:t>
+</a:t>
+            </a:r>
           </a:p>
         </p:txBody>
       </p:sp>
@@ -1808,9 +2231,9 @@
           <a:bodyPr/>
           <a:lstStyle/>
           <a:p>
-            <a:fld id="{DB8DE200-D73A-6140-B109-F0E4AFF7DC9D}" type="datetimeFigureOut">
+            <a:fld id="{3B1E34EC-01EC-9043-8094-86363B10AB12}" type="datetime1">
               <a:rPr lang="en-US" smtClean="0"/>
-              <a:t>4/21/23</a:t>
+              <a:t>4/24/23</a:t>
             </a:fld>
             <a:endParaRPr lang="en-US"/>
           </a:p>
@@ -1837,7 +2260,17 @@
           <a:bodyPr/>
           <a:lstStyle/>
           <a:p>
-            <a:endParaRPr lang="en-US"/>
+            <a:r>
+              <a:rPr lang="en-US"/>
+              <a:t>M. Wright. Cornish Guernseys &amp; Knitfrocks. Polperro Heritage Press, 2012.</a:t>
+            </a:r>
+          </a:p>
+          <a:p>
+            <a:r>
+              <a:rPr lang="en-US"/>
+              <a:t>
+</a:t>
+            </a:r>
           </a:p>
         </p:txBody>
       </p:sp>
@@ -1949,9 +2382,9 @@
           <a:bodyPr/>
           <a:lstStyle/>
           <a:p>
-            <a:fld id="{DB8DE200-D73A-6140-B109-F0E4AFF7DC9D}" type="datetimeFigureOut">
+            <a:fld id="{9FCEBB43-4E32-7042-A284-D68BBD36D031}" type="datetime1">
               <a:rPr lang="en-US" smtClean="0"/>
-              <a:t>4/21/23</a:t>
+              <a:t>4/24/23</a:t>
             </a:fld>
             <a:endParaRPr lang="en-US"/>
           </a:p>
@@ -1978,7 +2411,17 @@
           <a:bodyPr/>
           <a:lstStyle/>
           <a:p>
-            <a:endParaRPr lang="en-US"/>
+            <a:r>
+              <a:rPr lang="en-US"/>
+              <a:t>M. Wright. Cornish Guernseys &amp; Knitfrocks. Polperro Heritage Press, 2012.</a:t>
+            </a:r>
+          </a:p>
+          <a:p>
+            <a:r>
+              <a:rPr lang="en-US"/>
+              <a:t>
+</a:t>
+            </a:r>
           </a:p>
         </p:txBody>
       </p:sp>
@@ -2062,9 +2505,9 @@
           <a:bodyPr/>
           <a:lstStyle/>
           <a:p>
-            <a:fld id="{DB8DE200-D73A-6140-B109-F0E4AFF7DC9D}" type="datetimeFigureOut">
+            <a:fld id="{A1306611-3D71-E742-B4D6-AD4159C2314E}" type="datetime1">
               <a:rPr lang="en-US" smtClean="0"/>
-              <a:t>4/21/23</a:t>
+              <a:t>4/24/23</a:t>
             </a:fld>
             <a:endParaRPr lang="en-US"/>
           </a:p>
@@ -2091,7 +2534,17 @@
           <a:bodyPr/>
           <a:lstStyle/>
           <a:p>
-            <a:endParaRPr lang="en-US"/>
+            <a:r>
+              <a:rPr lang="en-US"/>
+              <a:t>M. Wright. Cornish Guernseys &amp; Knitfrocks. Polperro Heritage Press, 2012.</a:t>
+            </a:r>
+          </a:p>
+          <a:p>
+            <a:r>
+              <a:rPr lang="en-US"/>
+              <a:t>
+</a:t>
+            </a:r>
           </a:p>
         </p:txBody>
       </p:sp>
@@ -2373,9 +2826,9 @@
           <a:bodyPr/>
           <a:lstStyle/>
           <a:p>
-            <a:fld id="{DB8DE200-D73A-6140-B109-F0E4AFF7DC9D}" type="datetimeFigureOut">
+            <a:fld id="{94798FC4-9245-6749-84E0-C6CE40326571}" type="datetime1">
               <a:rPr lang="en-US" smtClean="0"/>
-              <a:t>4/21/23</a:t>
+              <a:t>4/24/23</a:t>
             </a:fld>
             <a:endParaRPr lang="en-US"/>
           </a:p>
@@ -2402,7 +2855,17 @@
           <a:bodyPr/>
           <a:lstStyle/>
           <a:p>
-            <a:endParaRPr lang="en-US"/>
+            <a:r>
+              <a:rPr lang="en-US"/>
+              <a:t>M. Wright. Cornish Guernseys &amp; Knitfrocks. Polperro Heritage Press, 2012.</a:t>
+            </a:r>
+          </a:p>
+          <a:p>
+            <a:r>
+              <a:rPr lang="en-US"/>
+              <a:t>
+</a:t>
+            </a:r>
           </a:p>
         </p:txBody>
       </p:sp>
@@ -2661,9 +3124,9 @@
           <a:bodyPr/>
           <a:lstStyle/>
           <a:p>
-            <a:fld id="{DB8DE200-D73A-6140-B109-F0E4AFF7DC9D}" type="datetimeFigureOut">
+            <a:fld id="{A8E80614-583D-8248-99C7-5208E847E6FB}" type="datetime1">
               <a:rPr lang="en-US" smtClean="0"/>
-              <a:t>4/21/23</a:t>
+              <a:t>4/24/23</a:t>
             </a:fld>
             <a:endParaRPr lang="en-US"/>
           </a:p>
@@ -2690,7 +3153,17 @@
           <a:bodyPr/>
           <a:lstStyle/>
           <a:p>
-            <a:endParaRPr lang="en-US"/>
+            <a:r>
+              <a:rPr lang="en-US"/>
+              <a:t>M. Wright. Cornish Guernseys &amp; Knitfrocks. Polperro Heritage Press, 2012.</a:t>
+            </a:r>
+          </a:p>
+          <a:p>
+            <a:r>
+              <a:rPr lang="en-US"/>
+              <a:t>
+</a:t>
+            </a:r>
           </a:p>
         </p:txBody>
       </p:sp>
@@ -2902,9 +3375,9 @@
             </a:lvl1pPr>
           </a:lstStyle>
           <a:p>
-            <a:fld id="{DB8DE200-D73A-6140-B109-F0E4AFF7DC9D}" type="datetimeFigureOut">
+            <a:fld id="{67CB9D24-B52D-E345-B2BC-8847BEA8FDE3}" type="datetime1">
               <a:rPr lang="en-US" smtClean="0"/>
-              <a:t>4/21/23</a:t>
+              <a:t>4/24/23</a:t>
             </a:fld>
             <a:endParaRPr lang="en-US"/>
           </a:p>
@@ -2949,7 +3422,17 @@
             </a:lvl1pPr>
           </a:lstStyle>
           <a:p>
-            <a:endParaRPr lang="en-US"/>
+            <a:r>
+              <a:rPr lang="en-US"/>
+              <a:t>M. Wright. Cornish Guernseys &amp; Knitfrocks. Polperro Heritage Press, 2012.</a:t>
+            </a:r>
+          </a:p>
+          <a:p>
+            <a:r>
+              <a:rPr lang="en-US"/>
+              <a:t>
+</a:t>
+            </a:r>
           </a:p>
         </p:txBody>
       </p:sp>
@@ -3021,6 +3504,7 @@
     <p:sldLayoutId id="2147483658" r:id="rId10"/>
     <p:sldLayoutId id="2147483659" r:id="rId11"/>
   </p:sldLayoutIdLst>
+  <p:hf hdr="0" dt="0"/>
   <p:txStyles>
     <p:titleStyle>
       <a:lvl1pPr algn="l" defTabSz="914400" rtl="0" eaLnBrk="1" latinLnBrk="0" hangingPunct="1">
@@ -3337,7 +3821,12 @@
             <p:ph type="ctrTitle"/>
           </p:nvPr>
         </p:nvSpPr>
-        <p:spPr/>
+        <p:spPr>
+          <a:xfrm>
+            <a:off x="1524000" y="1493213"/>
+            <a:ext cx="9144000" cy="2387600"/>
+          </a:xfrm>
+        </p:spPr>
         <p:txBody>
           <a:bodyPr>
             <a:normAutofit fontScale="90000"/>
@@ -3387,7 +3876,12 @@
             <p:ph type="subTitle" idx="1"/>
           </p:nvPr>
         </p:nvSpPr>
-        <p:spPr/>
+        <p:spPr>
+          <a:xfrm>
+            <a:off x="1524000" y="4014625"/>
+            <a:ext cx="9144000" cy="1655762"/>
+          </a:xfrm>
+        </p:spPr>
         <p:txBody>
           <a:bodyPr/>
           <a:lstStyle/>
@@ -3409,6 +3903,3334 @@
   <p:clrMapOvr>
     <a:masterClrMapping/>
   </p:clrMapOvr>
+</p:sld>
+</file>
+
+<file path=ppt/slides/slide10.xml><?xml version="1.0" encoding="utf-8"?>
+<p:sld xmlns:a="http://schemas.openxmlformats.org/drawingml/2006/main" xmlns:r="http://schemas.openxmlformats.org/officeDocument/2006/relationships" xmlns:p="http://schemas.openxmlformats.org/presentationml/2006/main">
+  <p:cSld>
+    <p:spTree>
+      <p:nvGrpSpPr>
+        <p:cNvPr id="1" name=""/>
+        <p:cNvGrpSpPr/>
+        <p:nvPr/>
+      </p:nvGrpSpPr>
+      <p:grpSpPr>
+        <a:xfrm>
+          <a:off x="0" y="0"/>
+          <a:ext cx="0" cy="0"/>
+          <a:chOff x="0" y="0"/>
+          <a:chExt cx="0" cy="0"/>
+        </a:xfrm>
+      </p:grpSpPr>
+      <p:sp>
+        <p:nvSpPr>
+          <p:cNvPr id="2" name="Title 1">
+            <a:extLst>
+              <a:ext uri="{FF2B5EF4-FFF2-40B4-BE49-F238E27FC236}">
+                <a16:creationId xmlns:a16="http://schemas.microsoft.com/office/drawing/2014/main" id="{01EEEC8B-299C-D0ED-1339-9DAD097CE4FE}"/>
+              </a:ext>
+            </a:extLst>
+          </p:cNvPr>
+          <p:cNvSpPr>
+            <a:spLocks noGrp="1"/>
+          </p:cNvSpPr>
+          <p:nvPr>
+            <p:ph type="title"/>
+          </p:nvPr>
+        </p:nvSpPr>
+        <p:spPr/>
+        <p:txBody>
+          <a:bodyPr/>
+          <a:lstStyle/>
+          <a:p>
+            <a:r>
+              <a:rPr lang="en-US" dirty="0"/>
+              <a:t>Gauge</a:t>
+            </a:r>
+          </a:p>
+        </p:txBody>
+      </p:sp>
+      <p:sp>
+        <p:nvSpPr>
+          <p:cNvPr id="3" name="Content Placeholder 2">
+            <a:extLst>
+              <a:ext uri="{FF2B5EF4-FFF2-40B4-BE49-F238E27FC236}">
+                <a16:creationId xmlns:a16="http://schemas.microsoft.com/office/drawing/2014/main" id="{15DB502A-9885-5271-CF46-31F9F6FFC783}"/>
+              </a:ext>
+            </a:extLst>
+          </p:cNvPr>
+          <p:cNvSpPr>
+            <a:spLocks noGrp="1"/>
+          </p:cNvSpPr>
+          <p:nvPr>
+            <p:ph idx="1"/>
+          </p:nvPr>
+        </p:nvSpPr>
+        <p:spPr/>
+        <p:txBody>
+          <a:bodyPr/>
+          <a:lstStyle/>
+          <a:p>
+            <a:r>
+              <a:rPr lang="en-US" dirty="0"/>
+              <a:t>This is where the math comes from!</a:t>
+            </a:r>
+          </a:p>
+          <a:p>
+            <a:r>
+              <a:rPr lang="en-US" dirty="0"/>
+              <a:t>How tight you hold your yarn </a:t>
+            </a:r>
+          </a:p>
+          <a:p>
+            <a:endParaRPr lang="en-US" dirty="0"/>
+          </a:p>
+          <a:p>
+            <a:endParaRPr lang="en-US" dirty="0"/>
+          </a:p>
+          <a:p>
+            <a:endParaRPr lang="en-US" dirty="0"/>
+          </a:p>
+          <a:p>
+            <a:pPr marL="0" indent="0">
+              <a:buNone/>
+            </a:pPr>
+            <a:r>
+              <a:rPr lang="en-US" dirty="0"/>
+              <a:t>This can be useful in determining how many stitches and rows will be needed to make the fabric.</a:t>
+            </a:r>
+          </a:p>
+        </p:txBody>
+      </p:sp>
+      <p:sp>
+        <p:nvSpPr>
+          <p:cNvPr id="5" name="Slide Number Placeholder 4">
+            <a:extLst>
+              <a:ext uri="{FF2B5EF4-FFF2-40B4-BE49-F238E27FC236}">
+                <a16:creationId xmlns:a16="http://schemas.microsoft.com/office/drawing/2014/main" id="{0A405E03-4FB1-150E-CB59-01CC1357D4C1}"/>
+              </a:ext>
+            </a:extLst>
+          </p:cNvPr>
+          <p:cNvSpPr>
+            <a:spLocks noGrp="1"/>
+          </p:cNvSpPr>
+          <p:nvPr>
+            <p:ph type="sldNum" sz="quarter" idx="12"/>
+          </p:nvPr>
+        </p:nvSpPr>
+        <p:spPr/>
+        <p:txBody>
+          <a:bodyPr/>
+          <a:lstStyle/>
+          <a:p>
+            <a:fld id="{EF961DAB-05CC-2546-A3F2-1CF17559E023}" type="slidenum">
+              <a:rPr lang="en-US" smtClean="0"/>
+              <a:t>10</a:t>
+            </a:fld>
+            <a:endParaRPr lang="en-US"/>
+          </a:p>
+        </p:txBody>
+      </p:sp>
+    </p:spTree>
+    <p:extLst>
+      <p:ext uri="{BB962C8B-B14F-4D97-AF65-F5344CB8AC3E}">
+        <p14:creationId xmlns:p14="http://schemas.microsoft.com/office/powerpoint/2010/main" val="76024122"/>
+      </p:ext>
+    </p:extLst>
+  </p:cSld>
+  <p:clrMapOvr>
+    <a:masterClrMapping/>
+  </p:clrMapOvr>
+  <p:timing>
+    <p:tnLst>
+      <p:par>
+        <p:cTn id="1" dur="indefinite" restart="never" nodeType="tmRoot">
+          <p:childTnLst>
+            <p:seq concurrent="1" nextAc="seek">
+              <p:cTn id="2" dur="indefinite" nodeType="mainSeq">
+                <p:childTnLst>
+                  <p:par>
+                    <p:cTn id="3" fill="hold">
+                      <p:stCondLst>
+                        <p:cond delay="indefinite"/>
+                      </p:stCondLst>
+                      <p:childTnLst>
+                        <p:par>
+                          <p:cTn id="4" fill="hold">
+                            <p:stCondLst>
+                              <p:cond delay="0"/>
+                            </p:stCondLst>
+                            <p:childTnLst>
+                              <p:par>
+                                <p:cTn id="5" presetID="1" presetClass="entr" presetSubtype="0" fill="hold" grpId="0" nodeType="clickEffect">
+                                  <p:stCondLst>
+                                    <p:cond delay="0"/>
+                                  </p:stCondLst>
+                                  <p:childTnLst>
+                                    <p:set>
+                                      <p:cBhvr>
+                                        <p:cTn id="6" dur="1" fill="hold">
+                                          <p:stCondLst>
+                                            <p:cond delay="0"/>
+                                          </p:stCondLst>
+                                        </p:cTn>
+                                        <p:tgtEl>
+                                          <p:spTgt spid="3">
+                                            <p:txEl>
+                                              <p:pRg st="5" end="5"/>
+                                            </p:txEl>
+                                          </p:spTgt>
+                                        </p:tgtEl>
+                                        <p:attrNameLst>
+                                          <p:attrName>style.visibility</p:attrName>
+                                        </p:attrNameLst>
+                                      </p:cBhvr>
+                                      <p:to>
+                                        <p:strVal val="visible"/>
+                                      </p:to>
+                                    </p:set>
+                                  </p:childTnLst>
+                                </p:cTn>
+                              </p:par>
+                            </p:childTnLst>
+                          </p:cTn>
+                        </p:par>
+                      </p:childTnLst>
+                    </p:cTn>
+                  </p:par>
+                </p:childTnLst>
+              </p:cTn>
+              <p:prevCondLst>
+                <p:cond evt="onPrev" delay="0">
+                  <p:tgtEl>
+                    <p:sldTgt/>
+                  </p:tgtEl>
+                </p:cond>
+              </p:prevCondLst>
+              <p:nextCondLst>
+                <p:cond evt="onNext" delay="0">
+                  <p:tgtEl>
+                    <p:sldTgt/>
+                  </p:tgtEl>
+                </p:cond>
+              </p:nextCondLst>
+            </p:seq>
+          </p:childTnLst>
+        </p:cTn>
+      </p:par>
+    </p:tnLst>
+    <p:bldLst>
+      <p:bldP spid="3" grpId="0" uiExpand="1" build="p"/>
+    </p:bldLst>
+  </p:timing>
+</p:sld>
+</file>
+
+<file path=ppt/slides/slide11.xml><?xml version="1.0" encoding="utf-8"?>
+<p:sld xmlns:a="http://schemas.openxmlformats.org/drawingml/2006/main" xmlns:r="http://schemas.openxmlformats.org/officeDocument/2006/relationships" xmlns:p="http://schemas.openxmlformats.org/presentationml/2006/main">
+  <p:cSld>
+    <p:spTree>
+      <p:nvGrpSpPr>
+        <p:cNvPr id="1" name=""/>
+        <p:cNvGrpSpPr/>
+        <p:nvPr/>
+      </p:nvGrpSpPr>
+      <p:grpSpPr>
+        <a:xfrm>
+          <a:off x="0" y="0"/>
+          <a:ext cx="0" cy="0"/>
+          <a:chOff x="0" y="0"/>
+          <a:chExt cx="0" cy="0"/>
+        </a:xfrm>
+      </p:grpSpPr>
+      <p:sp>
+        <p:nvSpPr>
+          <p:cNvPr id="2" name="Title 1">
+            <a:extLst>
+              <a:ext uri="{FF2B5EF4-FFF2-40B4-BE49-F238E27FC236}">
+                <a16:creationId xmlns:a16="http://schemas.microsoft.com/office/drawing/2014/main" id="{A6CA4668-91FB-045F-4910-0536CCE80E38}"/>
+              </a:ext>
+            </a:extLst>
+          </p:cNvPr>
+          <p:cNvSpPr>
+            <a:spLocks noGrp="1"/>
+          </p:cNvSpPr>
+          <p:nvPr>
+            <p:ph type="title"/>
+          </p:nvPr>
+        </p:nvSpPr>
+        <p:spPr/>
+        <p:txBody>
+          <a:bodyPr/>
+          <a:lstStyle/>
+          <a:p>
+            <a:r>
+              <a:rPr lang="en-US"/>
+              <a:t>Knitting an Algorithm</a:t>
+            </a:r>
+            <a:endParaRPr lang="en-US" dirty="0"/>
+          </a:p>
+        </p:txBody>
+      </p:sp>
+      <p:pic>
+        <p:nvPicPr>
+          <p:cNvPr id="6" name="Content Placeholder 5" descr="Application&#10;&#10;Description automatically generated with medium confidence">
+            <a:extLst>
+              <a:ext uri="{FF2B5EF4-FFF2-40B4-BE49-F238E27FC236}">
+                <a16:creationId xmlns:a16="http://schemas.microsoft.com/office/drawing/2014/main" id="{AE854036-D4F2-7F2E-7311-E65ED41302EA}"/>
+              </a:ext>
+            </a:extLst>
+          </p:cNvPr>
+          <p:cNvPicPr>
+            <a:picLocks noGrp="1" noChangeAspect="1"/>
+          </p:cNvPicPr>
+          <p:nvPr>
+            <p:ph idx="1"/>
+          </p:nvPr>
+        </p:nvPicPr>
+        <p:blipFill>
+          <a:blip r:embed="rId2"/>
+          <a:stretch>
+            <a:fillRect/>
+          </a:stretch>
+        </p:blipFill>
+        <p:spPr>
+          <a:xfrm>
+            <a:off x="1456944" y="1825625"/>
+            <a:ext cx="9278112" cy="4351338"/>
+          </a:xfrm>
+        </p:spPr>
+      </p:pic>
+      <p:sp>
+        <p:nvSpPr>
+          <p:cNvPr id="4" name="Slide Number Placeholder 3">
+            <a:extLst>
+              <a:ext uri="{FF2B5EF4-FFF2-40B4-BE49-F238E27FC236}">
+                <a16:creationId xmlns:a16="http://schemas.microsoft.com/office/drawing/2014/main" id="{FCF8F4B0-05AB-5D43-6FCF-D9EA2709218E}"/>
+              </a:ext>
+            </a:extLst>
+          </p:cNvPr>
+          <p:cNvSpPr>
+            <a:spLocks noGrp="1"/>
+          </p:cNvSpPr>
+          <p:nvPr>
+            <p:ph type="sldNum" sz="quarter" idx="12"/>
+          </p:nvPr>
+        </p:nvSpPr>
+        <p:spPr/>
+        <p:txBody>
+          <a:bodyPr/>
+          <a:lstStyle/>
+          <a:p>
+            <a:fld id="{EF961DAB-05CC-2546-A3F2-1CF17559E023}" type="slidenum">
+              <a:rPr lang="en-US" smtClean="0"/>
+              <a:t>11</a:t>
+            </a:fld>
+            <a:endParaRPr lang="en-US"/>
+          </a:p>
+        </p:txBody>
+      </p:sp>
+    </p:spTree>
+    <p:extLst>
+      <p:ext uri="{BB962C8B-B14F-4D97-AF65-F5344CB8AC3E}">
+        <p14:creationId xmlns:p14="http://schemas.microsoft.com/office/powerpoint/2010/main" val="863398858"/>
+      </p:ext>
+    </p:extLst>
+  </p:cSld>
+  <p:clrMapOvr>
+    <a:masterClrMapping/>
+  </p:clrMapOvr>
+</p:sld>
+</file>
+
+<file path=ppt/slides/slide12.xml><?xml version="1.0" encoding="utf-8"?>
+<p:sld xmlns:a="http://schemas.openxmlformats.org/drawingml/2006/main" xmlns:r="http://schemas.openxmlformats.org/officeDocument/2006/relationships" xmlns:p="http://schemas.openxmlformats.org/presentationml/2006/main">
+  <p:cSld>
+    <p:spTree>
+      <p:nvGrpSpPr>
+        <p:cNvPr id="1" name=""/>
+        <p:cNvGrpSpPr/>
+        <p:nvPr/>
+      </p:nvGrpSpPr>
+      <p:grpSpPr>
+        <a:xfrm>
+          <a:off x="0" y="0"/>
+          <a:ext cx="0" cy="0"/>
+          <a:chOff x="0" y="0"/>
+          <a:chExt cx="0" cy="0"/>
+        </a:xfrm>
+      </p:grpSpPr>
+      <p:sp>
+        <p:nvSpPr>
+          <p:cNvPr id="2" name="Title 1">
+            <a:extLst>
+              <a:ext uri="{FF2B5EF4-FFF2-40B4-BE49-F238E27FC236}">
+                <a16:creationId xmlns:a16="http://schemas.microsoft.com/office/drawing/2014/main" id="{73EB4A45-44D0-B800-CA18-675545B39978}"/>
+              </a:ext>
+            </a:extLst>
+          </p:cNvPr>
+          <p:cNvSpPr>
+            <a:spLocks noGrp="1"/>
+          </p:cNvSpPr>
+          <p:nvPr>
+            <p:ph type="title"/>
+          </p:nvPr>
+        </p:nvSpPr>
+        <p:spPr/>
+        <p:txBody>
+          <a:bodyPr/>
+          <a:lstStyle/>
+          <a:p>
+            <a:r>
+              <a:rPr lang="en-US" dirty="0"/>
+              <a:t>Knitting an Algorithm</a:t>
+            </a:r>
+          </a:p>
+        </p:txBody>
+      </p:sp>
+      <p:sp>
+        <p:nvSpPr>
+          <p:cNvPr id="3" name="Content Placeholder 2">
+            <a:extLst>
+              <a:ext uri="{FF2B5EF4-FFF2-40B4-BE49-F238E27FC236}">
+                <a16:creationId xmlns:a16="http://schemas.microsoft.com/office/drawing/2014/main" id="{63D201BC-CC93-FF56-DCC4-F766A730ED32}"/>
+              </a:ext>
+            </a:extLst>
+          </p:cNvPr>
+          <p:cNvSpPr>
+            <a:spLocks noGrp="1"/>
+          </p:cNvSpPr>
+          <p:nvPr>
+            <p:ph idx="1"/>
+          </p:nvPr>
+        </p:nvSpPr>
+        <p:spPr/>
+        <p:txBody>
+          <a:bodyPr/>
+          <a:lstStyle/>
+          <a:p>
+            <a:endParaRPr lang="en-US"/>
+          </a:p>
+        </p:txBody>
+      </p:sp>
+      <p:sp>
+        <p:nvSpPr>
+          <p:cNvPr id="4" name="Slide Number Placeholder 3">
+            <a:extLst>
+              <a:ext uri="{FF2B5EF4-FFF2-40B4-BE49-F238E27FC236}">
+                <a16:creationId xmlns:a16="http://schemas.microsoft.com/office/drawing/2014/main" id="{F2BBAE20-FE33-18A1-032C-0183DAC1F8F2}"/>
+              </a:ext>
+            </a:extLst>
+          </p:cNvPr>
+          <p:cNvSpPr>
+            <a:spLocks noGrp="1"/>
+          </p:cNvSpPr>
+          <p:nvPr>
+            <p:ph type="sldNum" sz="quarter" idx="12"/>
+          </p:nvPr>
+        </p:nvSpPr>
+        <p:spPr/>
+        <p:txBody>
+          <a:bodyPr/>
+          <a:lstStyle/>
+          <a:p>
+            <a:fld id="{EF961DAB-05CC-2546-A3F2-1CF17559E023}" type="slidenum">
+              <a:rPr lang="en-US" smtClean="0"/>
+              <a:t>12</a:t>
+            </a:fld>
+            <a:endParaRPr lang="en-US"/>
+          </a:p>
+        </p:txBody>
+      </p:sp>
+      <p:pic>
+        <p:nvPicPr>
+          <p:cNvPr id="5" name="Picture 4" descr="Shape&#10;&#10;Description automatically generated">
+            <a:extLst>
+              <a:ext uri="{FF2B5EF4-FFF2-40B4-BE49-F238E27FC236}">
+                <a16:creationId xmlns:a16="http://schemas.microsoft.com/office/drawing/2014/main" id="{2651FBD1-C1A3-EBA5-73DF-580DDB539F99}"/>
+              </a:ext>
+            </a:extLst>
+          </p:cNvPr>
+          <p:cNvPicPr>
+            <a:picLocks noChangeAspect="1"/>
+          </p:cNvPicPr>
+          <p:nvPr/>
+        </p:nvPicPr>
+        <p:blipFill>
+          <a:blip r:embed="rId2"/>
+          <a:stretch>
+            <a:fillRect/>
+          </a:stretch>
+        </p:blipFill>
+        <p:spPr>
+          <a:xfrm>
+            <a:off x="6420525" y="2478780"/>
+            <a:ext cx="5771475" cy="3045027"/>
+          </a:xfrm>
+          <a:prstGeom prst="rect">
+            <a:avLst/>
+          </a:prstGeom>
+        </p:spPr>
+      </p:pic>
+      <p:pic>
+        <p:nvPicPr>
+          <p:cNvPr id="6" name="Content Placeholder 5" descr="Application&#10;&#10;Description automatically generated with medium confidence">
+            <a:extLst>
+              <a:ext uri="{FF2B5EF4-FFF2-40B4-BE49-F238E27FC236}">
+                <a16:creationId xmlns:a16="http://schemas.microsoft.com/office/drawing/2014/main" id="{F06821F0-5F23-CC4D-2358-4314437D2134}"/>
+              </a:ext>
+            </a:extLst>
+          </p:cNvPr>
+          <p:cNvPicPr>
+            <a:picLocks noChangeAspect="1"/>
+          </p:cNvPicPr>
+          <p:nvPr/>
+        </p:nvPicPr>
+        <p:blipFill>
+          <a:blip r:embed="rId3"/>
+          <a:stretch>
+            <a:fillRect/>
+          </a:stretch>
+        </p:blipFill>
+        <p:spPr>
+          <a:xfrm>
+            <a:off x="120189" y="2523898"/>
+            <a:ext cx="6300336" cy="2954792"/>
+          </a:xfrm>
+          <a:prstGeom prst="rect">
+            <a:avLst/>
+          </a:prstGeom>
+        </p:spPr>
+      </p:pic>
+    </p:spTree>
+    <p:extLst>
+      <p:ext uri="{BB962C8B-B14F-4D97-AF65-F5344CB8AC3E}">
+        <p14:creationId xmlns:p14="http://schemas.microsoft.com/office/powerpoint/2010/main" val="2700541763"/>
+      </p:ext>
+    </p:extLst>
+  </p:cSld>
+  <p:clrMapOvr>
+    <a:masterClrMapping/>
+  </p:clrMapOvr>
+</p:sld>
+</file>
+
+<file path=ppt/slides/slide2.xml><?xml version="1.0" encoding="utf-8"?>
+<p:sld xmlns:a="http://schemas.openxmlformats.org/drawingml/2006/main" xmlns:r="http://schemas.openxmlformats.org/officeDocument/2006/relationships" xmlns:p="http://schemas.openxmlformats.org/presentationml/2006/main">
+  <p:cSld>
+    <p:spTree>
+      <p:nvGrpSpPr>
+        <p:cNvPr id="1" name=""/>
+        <p:cNvGrpSpPr/>
+        <p:nvPr/>
+      </p:nvGrpSpPr>
+      <p:grpSpPr>
+        <a:xfrm>
+          <a:off x="0" y="0"/>
+          <a:ext cx="0" cy="0"/>
+          <a:chOff x="0" y="0"/>
+          <a:chExt cx="0" cy="0"/>
+        </a:xfrm>
+      </p:grpSpPr>
+      <p:sp>
+        <p:nvSpPr>
+          <p:cNvPr id="2" name="Title 1">
+            <a:extLst>
+              <a:ext uri="{FF2B5EF4-FFF2-40B4-BE49-F238E27FC236}">
+                <a16:creationId xmlns:a16="http://schemas.microsoft.com/office/drawing/2014/main" id="{3EAC7454-B522-00E5-1A47-F45D0D796CAA}"/>
+              </a:ext>
+            </a:extLst>
+          </p:cNvPr>
+          <p:cNvSpPr>
+            <a:spLocks noGrp="1"/>
+          </p:cNvSpPr>
+          <p:nvPr>
+            <p:ph type="title"/>
+          </p:nvPr>
+        </p:nvSpPr>
+        <p:spPr/>
+        <p:txBody>
+          <a:bodyPr/>
+          <a:lstStyle/>
+          <a:p>
+            <a:r>
+              <a:rPr lang="en-US" dirty="0"/>
+              <a:t>Knitting Patterns</a:t>
+            </a:r>
+          </a:p>
+        </p:txBody>
+      </p:sp>
+      <p:pic>
+        <p:nvPicPr>
+          <p:cNvPr id="8" name="Content Placeholder 7" descr="Table&#10;&#10;Description automatically generated">
+            <a:extLst>
+              <a:ext uri="{FF2B5EF4-FFF2-40B4-BE49-F238E27FC236}">
+                <a16:creationId xmlns:a16="http://schemas.microsoft.com/office/drawing/2014/main" id="{33F39B9E-0FAB-553D-3907-8FDE3E7D191A}"/>
+              </a:ext>
+            </a:extLst>
+          </p:cNvPr>
+          <p:cNvPicPr>
+            <a:picLocks noGrp="1" noChangeAspect="1"/>
+          </p:cNvPicPr>
+          <p:nvPr>
+            <p:ph idx="1"/>
+          </p:nvPr>
+        </p:nvPicPr>
+        <p:blipFill>
+          <a:blip r:embed="rId2"/>
+          <a:stretch>
+            <a:fillRect/>
+          </a:stretch>
+        </p:blipFill>
+        <p:spPr>
+          <a:xfrm>
+            <a:off x="5735798" y="1924157"/>
+            <a:ext cx="5257800" cy="3644880"/>
+          </a:xfrm>
+        </p:spPr>
+      </p:pic>
+      <p:sp>
+        <p:nvSpPr>
+          <p:cNvPr id="5" name="Slide Number Placeholder 4">
+            <a:extLst>
+              <a:ext uri="{FF2B5EF4-FFF2-40B4-BE49-F238E27FC236}">
+                <a16:creationId xmlns:a16="http://schemas.microsoft.com/office/drawing/2014/main" id="{9E60F81F-58DD-C5AD-D5E5-99804C44D12B}"/>
+              </a:ext>
+            </a:extLst>
+          </p:cNvPr>
+          <p:cNvSpPr>
+            <a:spLocks noGrp="1"/>
+          </p:cNvSpPr>
+          <p:nvPr>
+            <p:ph type="sldNum" sz="quarter" idx="12"/>
+          </p:nvPr>
+        </p:nvSpPr>
+        <p:spPr/>
+        <p:txBody>
+          <a:bodyPr/>
+          <a:lstStyle/>
+          <a:p>
+            <a:fld id="{EF961DAB-05CC-2546-A3F2-1CF17559E023}" type="slidenum">
+              <a:rPr lang="en-US" smtClean="0"/>
+              <a:t>2</a:t>
+            </a:fld>
+            <a:endParaRPr lang="en-US"/>
+          </a:p>
+        </p:txBody>
+      </p:sp>
+      <p:sp>
+        <p:nvSpPr>
+          <p:cNvPr id="6" name="Footer Placeholder 5">
+            <a:extLst>
+              <a:ext uri="{FF2B5EF4-FFF2-40B4-BE49-F238E27FC236}">
+                <a16:creationId xmlns:a16="http://schemas.microsoft.com/office/drawing/2014/main" id="{3385AAED-6EA7-7ABA-6E53-237AA68A0288}"/>
+              </a:ext>
+            </a:extLst>
+          </p:cNvPr>
+          <p:cNvSpPr>
+            <a:spLocks noGrp="1"/>
+          </p:cNvSpPr>
+          <p:nvPr>
+            <p:ph type="ftr" sz="quarter" idx="11"/>
+          </p:nvPr>
+        </p:nvSpPr>
+        <p:spPr/>
+        <p:txBody>
+          <a:bodyPr/>
+          <a:lstStyle/>
+          <a:p>
+            <a:r>
+              <a:rPr lang="en-US">
+                <a:hlinkClick r:id="rId3"/>
+              </a:rPr>
+              <a:t>M. Wright. Cornish Guernseys &amp; Knitfrocks. Polperro Heritage Press, 2012.</a:t>
+            </a:r>
+          </a:p>
+          <a:p>
+            <a:r>
+              <a:rPr lang="en-US">
+                <a:hlinkClick r:id="rId3"/>
+              </a:rPr>
+              <a:t>
+</a:t>
+            </a:r>
+            <a:endParaRPr lang="en-US" dirty="0">
+              <a:hlinkClick r:id="rId3"/>
+            </a:endParaRPr>
+          </a:p>
+        </p:txBody>
+      </p:sp>
+      <p:pic>
+        <p:nvPicPr>
+          <p:cNvPr id="10" name="Picture 9" descr="A picture containing cloth, green, indoor, person&#10;&#10;Description automatically generated">
+            <a:extLst>
+              <a:ext uri="{FF2B5EF4-FFF2-40B4-BE49-F238E27FC236}">
+                <a16:creationId xmlns:a16="http://schemas.microsoft.com/office/drawing/2014/main" id="{7F3501A6-ED7D-D2EF-F0C3-F9714615ECDB}"/>
+              </a:ext>
+            </a:extLst>
+          </p:cNvPr>
+          <p:cNvPicPr>
+            <a:picLocks noChangeAspect="1"/>
+          </p:cNvPicPr>
+          <p:nvPr/>
+        </p:nvPicPr>
+        <p:blipFill>
+          <a:blip r:embed="rId4"/>
+          <a:stretch>
+            <a:fillRect/>
+          </a:stretch>
+        </p:blipFill>
+        <p:spPr>
+          <a:xfrm>
+            <a:off x="838200" y="1471875"/>
+            <a:ext cx="4114800" cy="4884475"/>
+          </a:xfrm>
+          <a:prstGeom prst="rect">
+            <a:avLst/>
+          </a:prstGeom>
+        </p:spPr>
+      </p:pic>
+    </p:spTree>
+    <p:extLst>
+      <p:ext uri="{BB962C8B-B14F-4D97-AF65-F5344CB8AC3E}">
+        <p14:creationId xmlns:p14="http://schemas.microsoft.com/office/powerpoint/2010/main" val="3252605556"/>
+      </p:ext>
+    </p:extLst>
+  </p:cSld>
+  <p:clrMapOvr>
+    <a:masterClrMapping/>
+  </p:clrMapOvr>
+  <p:timing>
+    <p:tnLst>
+      <p:par>
+        <p:cTn id="1" dur="indefinite" restart="never" nodeType="tmRoot">
+          <p:childTnLst>
+            <p:seq concurrent="1" nextAc="seek">
+              <p:cTn id="2" dur="indefinite" nodeType="mainSeq">
+                <p:childTnLst>
+                  <p:par>
+                    <p:cTn id="3" fill="hold">
+                      <p:stCondLst>
+                        <p:cond delay="indefinite"/>
+                      </p:stCondLst>
+                      <p:childTnLst>
+                        <p:par>
+                          <p:cTn id="4" fill="hold">
+                            <p:stCondLst>
+                              <p:cond delay="0"/>
+                            </p:stCondLst>
+                            <p:childTnLst>
+                              <p:par>
+                                <p:cTn id="5" presetID="1" presetClass="entr" presetSubtype="0" fill="hold" nodeType="clickEffect">
+                                  <p:stCondLst>
+                                    <p:cond delay="0"/>
+                                  </p:stCondLst>
+                                  <p:childTnLst>
+                                    <p:set>
+                                      <p:cBhvr>
+                                        <p:cTn id="6" dur="1" fill="hold">
+                                          <p:stCondLst>
+                                            <p:cond delay="0"/>
+                                          </p:stCondLst>
+                                        </p:cTn>
+                                        <p:tgtEl>
+                                          <p:spTgt spid="8"/>
+                                        </p:tgtEl>
+                                        <p:attrNameLst>
+                                          <p:attrName>style.visibility</p:attrName>
+                                        </p:attrNameLst>
+                                      </p:cBhvr>
+                                      <p:to>
+                                        <p:strVal val="visible"/>
+                                      </p:to>
+                                    </p:set>
+                                  </p:childTnLst>
+                                </p:cTn>
+                              </p:par>
+                            </p:childTnLst>
+                          </p:cTn>
+                        </p:par>
+                      </p:childTnLst>
+                    </p:cTn>
+                  </p:par>
+                </p:childTnLst>
+              </p:cTn>
+              <p:prevCondLst>
+                <p:cond evt="onPrev" delay="0">
+                  <p:tgtEl>
+                    <p:sldTgt/>
+                  </p:tgtEl>
+                </p:cond>
+              </p:prevCondLst>
+              <p:nextCondLst>
+                <p:cond evt="onNext" delay="0">
+                  <p:tgtEl>
+                    <p:sldTgt/>
+                  </p:tgtEl>
+                </p:cond>
+              </p:nextCondLst>
+            </p:seq>
+          </p:childTnLst>
+        </p:cTn>
+      </p:par>
+    </p:tnLst>
+  </p:timing>
+</p:sld>
+</file>
+
+<file path=ppt/slides/slide3.xml><?xml version="1.0" encoding="utf-8"?>
+<p:sld xmlns:a="http://schemas.openxmlformats.org/drawingml/2006/main" xmlns:r="http://schemas.openxmlformats.org/officeDocument/2006/relationships" xmlns:p="http://schemas.openxmlformats.org/presentationml/2006/main">
+  <p:cSld>
+    <p:spTree>
+      <p:nvGrpSpPr>
+        <p:cNvPr id="1" name=""/>
+        <p:cNvGrpSpPr/>
+        <p:nvPr/>
+      </p:nvGrpSpPr>
+      <p:grpSpPr>
+        <a:xfrm>
+          <a:off x="0" y="0"/>
+          <a:ext cx="0" cy="0"/>
+          <a:chOff x="0" y="0"/>
+          <a:chExt cx="0" cy="0"/>
+        </a:xfrm>
+      </p:grpSpPr>
+      <p:sp>
+        <p:nvSpPr>
+          <p:cNvPr id="2" name="Title 1">
+            <a:extLst>
+              <a:ext uri="{FF2B5EF4-FFF2-40B4-BE49-F238E27FC236}">
+                <a16:creationId xmlns:a16="http://schemas.microsoft.com/office/drawing/2014/main" id="{3EAC7454-B522-00E5-1A47-F45D0D796CAA}"/>
+              </a:ext>
+            </a:extLst>
+          </p:cNvPr>
+          <p:cNvSpPr>
+            <a:spLocks noGrp="1"/>
+          </p:cNvSpPr>
+          <p:nvPr>
+            <p:ph type="title"/>
+          </p:nvPr>
+        </p:nvSpPr>
+        <p:spPr/>
+        <p:txBody>
+          <a:bodyPr/>
+          <a:lstStyle/>
+          <a:p>
+            <a:r>
+              <a:rPr lang="en-US" dirty="0"/>
+              <a:t>Knitting Patterns</a:t>
+            </a:r>
+          </a:p>
+        </p:txBody>
+      </p:sp>
+      <p:pic>
+        <p:nvPicPr>
+          <p:cNvPr id="8" name="Content Placeholder 7" descr="Table&#10;&#10;Description automatically generated">
+            <a:extLst>
+              <a:ext uri="{FF2B5EF4-FFF2-40B4-BE49-F238E27FC236}">
+                <a16:creationId xmlns:a16="http://schemas.microsoft.com/office/drawing/2014/main" id="{33F39B9E-0FAB-553D-3907-8FDE3E7D191A}"/>
+              </a:ext>
+            </a:extLst>
+          </p:cNvPr>
+          <p:cNvPicPr>
+            <a:picLocks noGrp="1" noChangeAspect="1"/>
+          </p:cNvPicPr>
+          <p:nvPr>
+            <p:ph idx="1"/>
+          </p:nvPr>
+        </p:nvPicPr>
+        <p:blipFill>
+          <a:blip r:embed="rId2"/>
+          <a:stretch>
+            <a:fillRect/>
+          </a:stretch>
+        </p:blipFill>
+        <p:spPr>
+          <a:xfrm>
+            <a:off x="5886516" y="1243415"/>
+            <a:ext cx="6305484" cy="4371169"/>
+          </a:xfrm>
+        </p:spPr>
+      </p:pic>
+      <p:sp>
+        <p:nvSpPr>
+          <p:cNvPr id="5" name="Slide Number Placeholder 4">
+            <a:extLst>
+              <a:ext uri="{FF2B5EF4-FFF2-40B4-BE49-F238E27FC236}">
+                <a16:creationId xmlns:a16="http://schemas.microsoft.com/office/drawing/2014/main" id="{9E60F81F-58DD-C5AD-D5E5-99804C44D12B}"/>
+              </a:ext>
+            </a:extLst>
+          </p:cNvPr>
+          <p:cNvSpPr>
+            <a:spLocks noGrp="1"/>
+          </p:cNvSpPr>
+          <p:nvPr>
+            <p:ph type="sldNum" sz="quarter" idx="12"/>
+          </p:nvPr>
+        </p:nvSpPr>
+        <p:spPr/>
+        <p:txBody>
+          <a:bodyPr/>
+          <a:lstStyle/>
+          <a:p>
+            <a:fld id="{EF961DAB-05CC-2546-A3F2-1CF17559E023}" type="slidenum">
+              <a:rPr lang="en-US" smtClean="0"/>
+              <a:t>3</a:t>
+            </a:fld>
+            <a:endParaRPr lang="en-US"/>
+          </a:p>
+        </p:txBody>
+      </p:sp>
+      <p:sp>
+        <p:nvSpPr>
+          <p:cNvPr id="6" name="Footer Placeholder 5">
+            <a:extLst>
+              <a:ext uri="{FF2B5EF4-FFF2-40B4-BE49-F238E27FC236}">
+                <a16:creationId xmlns:a16="http://schemas.microsoft.com/office/drawing/2014/main" id="{3385AAED-6EA7-7ABA-6E53-237AA68A0288}"/>
+              </a:ext>
+            </a:extLst>
+          </p:cNvPr>
+          <p:cNvSpPr>
+            <a:spLocks noGrp="1"/>
+          </p:cNvSpPr>
+          <p:nvPr>
+            <p:ph type="ftr" sz="quarter" idx="11"/>
+          </p:nvPr>
+        </p:nvSpPr>
+        <p:spPr/>
+        <p:txBody>
+          <a:bodyPr/>
+          <a:lstStyle/>
+          <a:p>
+            <a:r>
+              <a:rPr lang="en-US">
+                <a:hlinkClick r:id="rId3"/>
+              </a:rPr>
+              <a:t>M. Wright. Cornish Guernseys &amp; Knitfrocks. Polperro Heritage Press, 2012.</a:t>
+            </a:r>
+          </a:p>
+          <a:p>
+            <a:r>
+              <a:rPr lang="en-US">
+                <a:hlinkClick r:id="rId3"/>
+              </a:rPr>
+              <a:t>
+</a:t>
+            </a:r>
+            <a:endParaRPr lang="en-US" dirty="0">
+              <a:hlinkClick r:id="rId3"/>
+            </a:endParaRPr>
+          </a:p>
+        </p:txBody>
+      </p:sp>
+      <p:sp>
+        <p:nvSpPr>
+          <p:cNvPr id="3" name="Content Placeholder 2">
+            <a:extLst>
+              <a:ext uri="{FF2B5EF4-FFF2-40B4-BE49-F238E27FC236}">
+                <a16:creationId xmlns:a16="http://schemas.microsoft.com/office/drawing/2014/main" id="{B7380ACF-DCE1-F56B-D001-710F602B8566}"/>
+              </a:ext>
+            </a:extLst>
+          </p:cNvPr>
+          <p:cNvSpPr txBox="1">
+            <a:spLocks/>
+          </p:cNvSpPr>
+          <p:nvPr/>
+        </p:nvSpPr>
+        <p:spPr>
+          <a:xfrm>
+            <a:off x="838200" y="1825625"/>
+            <a:ext cx="5048316" cy="4351338"/>
+          </a:xfrm>
+          <a:prstGeom prst="rect">
+            <a:avLst/>
+          </a:prstGeom>
+        </p:spPr>
+        <p:txBody>
+          <a:bodyPr vert="horz" lIns="91440" tIns="45720" rIns="91440" bIns="45720" rtlCol="0">
+            <a:normAutofit/>
+          </a:bodyPr>
+          <a:lstStyle>
+            <a:lvl1pPr marL="228600" indent="-228600" algn="l" defTabSz="914400" rtl="0" eaLnBrk="1" latinLnBrk="0" hangingPunct="1">
+              <a:lnSpc>
+                <a:spcPct val="90000"/>
+              </a:lnSpc>
+              <a:spcBef>
+                <a:spcPts val="1000"/>
+              </a:spcBef>
+              <a:buFont typeface="Arial" panose="020B0604020202020204" pitchFamily="34" charset="0"/>
+              <a:buChar char="•"/>
+              <a:defRPr sz="2800" kern="1200">
+                <a:solidFill>
+                  <a:schemeClr val="tx1"/>
+                </a:solidFill>
+                <a:latin typeface="+mn-lt"/>
+                <a:ea typeface="+mn-ea"/>
+                <a:cs typeface="+mn-cs"/>
+              </a:defRPr>
+            </a:lvl1pPr>
+            <a:lvl2pPr marL="685800" indent="-228600" algn="l" defTabSz="914400" rtl="0" eaLnBrk="1" latinLnBrk="0" hangingPunct="1">
+              <a:lnSpc>
+                <a:spcPct val="90000"/>
+              </a:lnSpc>
+              <a:spcBef>
+                <a:spcPts val="500"/>
+              </a:spcBef>
+              <a:buFont typeface="Arial" panose="020B0604020202020204" pitchFamily="34" charset="0"/>
+              <a:buChar char="•"/>
+              <a:defRPr sz="2400" kern="1200">
+                <a:solidFill>
+                  <a:schemeClr val="tx1"/>
+                </a:solidFill>
+                <a:latin typeface="+mn-lt"/>
+                <a:ea typeface="+mn-ea"/>
+                <a:cs typeface="+mn-cs"/>
+              </a:defRPr>
+            </a:lvl2pPr>
+            <a:lvl3pPr marL="1143000" indent="-228600" algn="l" defTabSz="914400" rtl="0" eaLnBrk="1" latinLnBrk="0" hangingPunct="1">
+              <a:lnSpc>
+                <a:spcPct val="90000"/>
+              </a:lnSpc>
+              <a:spcBef>
+                <a:spcPts val="500"/>
+              </a:spcBef>
+              <a:buFont typeface="Arial" panose="020B0604020202020204" pitchFamily="34" charset="0"/>
+              <a:buChar char="•"/>
+              <a:defRPr sz="2000" kern="1200">
+                <a:solidFill>
+                  <a:schemeClr val="tx1"/>
+                </a:solidFill>
+                <a:latin typeface="+mn-lt"/>
+                <a:ea typeface="+mn-ea"/>
+                <a:cs typeface="+mn-cs"/>
+              </a:defRPr>
+            </a:lvl3pPr>
+            <a:lvl4pPr marL="1600200" indent="-228600" algn="l" defTabSz="914400" rtl="0" eaLnBrk="1" latinLnBrk="0" hangingPunct="1">
+              <a:lnSpc>
+                <a:spcPct val="90000"/>
+              </a:lnSpc>
+              <a:spcBef>
+                <a:spcPts val="500"/>
+              </a:spcBef>
+              <a:buFont typeface="Arial" panose="020B0604020202020204" pitchFamily="34" charset="0"/>
+              <a:buChar char="•"/>
+              <a:defRPr sz="1800" kern="1200">
+                <a:solidFill>
+                  <a:schemeClr val="tx1"/>
+                </a:solidFill>
+                <a:latin typeface="+mn-lt"/>
+                <a:ea typeface="+mn-ea"/>
+                <a:cs typeface="+mn-cs"/>
+              </a:defRPr>
+            </a:lvl4pPr>
+            <a:lvl5pPr marL="2057400" indent="-228600" algn="l" defTabSz="914400" rtl="0" eaLnBrk="1" latinLnBrk="0" hangingPunct="1">
+              <a:lnSpc>
+                <a:spcPct val="90000"/>
+              </a:lnSpc>
+              <a:spcBef>
+                <a:spcPts val="500"/>
+              </a:spcBef>
+              <a:buFont typeface="Arial" panose="020B0604020202020204" pitchFamily="34" charset="0"/>
+              <a:buChar char="•"/>
+              <a:defRPr sz="1800" kern="1200">
+                <a:solidFill>
+                  <a:schemeClr val="tx1"/>
+                </a:solidFill>
+                <a:latin typeface="+mn-lt"/>
+                <a:ea typeface="+mn-ea"/>
+                <a:cs typeface="+mn-cs"/>
+              </a:defRPr>
+            </a:lvl5pPr>
+            <a:lvl6pPr marL="2514600" indent="-228600" algn="l" defTabSz="914400" rtl="0" eaLnBrk="1" latinLnBrk="0" hangingPunct="1">
+              <a:lnSpc>
+                <a:spcPct val="90000"/>
+              </a:lnSpc>
+              <a:spcBef>
+                <a:spcPts val="500"/>
+              </a:spcBef>
+              <a:buFont typeface="Arial" panose="020B0604020202020204" pitchFamily="34" charset="0"/>
+              <a:buChar char="•"/>
+              <a:defRPr sz="1800" kern="1200">
+                <a:solidFill>
+                  <a:schemeClr val="tx1"/>
+                </a:solidFill>
+                <a:latin typeface="+mn-lt"/>
+                <a:ea typeface="+mn-ea"/>
+                <a:cs typeface="+mn-cs"/>
+              </a:defRPr>
+            </a:lvl6pPr>
+            <a:lvl7pPr marL="2971800" indent="-228600" algn="l" defTabSz="914400" rtl="0" eaLnBrk="1" latinLnBrk="0" hangingPunct="1">
+              <a:lnSpc>
+                <a:spcPct val="90000"/>
+              </a:lnSpc>
+              <a:spcBef>
+                <a:spcPts val="500"/>
+              </a:spcBef>
+              <a:buFont typeface="Arial" panose="020B0604020202020204" pitchFamily="34" charset="0"/>
+              <a:buChar char="•"/>
+              <a:defRPr sz="1800" kern="1200">
+                <a:solidFill>
+                  <a:schemeClr val="tx1"/>
+                </a:solidFill>
+                <a:latin typeface="+mn-lt"/>
+                <a:ea typeface="+mn-ea"/>
+                <a:cs typeface="+mn-cs"/>
+              </a:defRPr>
+            </a:lvl7pPr>
+            <a:lvl8pPr marL="3429000" indent="-228600" algn="l" defTabSz="914400" rtl="0" eaLnBrk="1" latinLnBrk="0" hangingPunct="1">
+              <a:lnSpc>
+                <a:spcPct val="90000"/>
+              </a:lnSpc>
+              <a:spcBef>
+                <a:spcPts val="500"/>
+              </a:spcBef>
+              <a:buFont typeface="Arial" panose="020B0604020202020204" pitchFamily="34" charset="0"/>
+              <a:buChar char="•"/>
+              <a:defRPr sz="1800" kern="1200">
+                <a:solidFill>
+                  <a:schemeClr val="tx1"/>
+                </a:solidFill>
+                <a:latin typeface="+mn-lt"/>
+                <a:ea typeface="+mn-ea"/>
+                <a:cs typeface="+mn-cs"/>
+              </a:defRPr>
+            </a:lvl8pPr>
+            <a:lvl9pPr marL="3886200" indent="-228600" algn="l" defTabSz="914400" rtl="0" eaLnBrk="1" latinLnBrk="0" hangingPunct="1">
+              <a:lnSpc>
+                <a:spcPct val="90000"/>
+              </a:lnSpc>
+              <a:spcBef>
+                <a:spcPts val="500"/>
+              </a:spcBef>
+              <a:buFont typeface="Arial" panose="020B0604020202020204" pitchFamily="34" charset="0"/>
+              <a:buChar char="•"/>
+              <a:defRPr sz="1800" kern="1200">
+                <a:solidFill>
+                  <a:schemeClr val="tx1"/>
+                </a:solidFill>
+                <a:latin typeface="+mn-lt"/>
+                <a:ea typeface="+mn-ea"/>
+                <a:cs typeface="+mn-cs"/>
+              </a:defRPr>
+            </a:lvl9pPr>
+          </a:lstStyle>
+          <a:p>
+            <a:endParaRPr lang="en-US" dirty="0"/>
+          </a:p>
+        </p:txBody>
+      </p:sp>
+      <p:sp>
+        <p:nvSpPr>
+          <p:cNvPr id="7" name="Content Placeholder 2">
+            <a:extLst>
+              <a:ext uri="{FF2B5EF4-FFF2-40B4-BE49-F238E27FC236}">
+                <a16:creationId xmlns:a16="http://schemas.microsoft.com/office/drawing/2014/main" id="{107498C9-CE14-FF9F-470C-6755D5CA2E51}"/>
+              </a:ext>
+            </a:extLst>
+          </p:cNvPr>
+          <p:cNvSpPr txBox="1">
+            <a:spLocks/>
+          </p:cNvSpPr>
+          <p:nvPr/>
+        </p:nvSpPr>
+        <p:spPr>
+          <a:xfrm>
+            <a:off x="838200" y="1825625"/>
+            <a:ext cx="4822371" cy="4351338"/>
+          </a:xfrm>
+          <a:prstGeom prst="rect">
+            <a:avLst/>
+          </a:prstGeom>
+        </p:spPr>
+        <p:txBody>
+          <a:bodyPr vert="horz" lIns="91440" tIns="45720" rIns="91440" bIns="45720" rtlCol="0">
+            <a:normAutofit/>
+          </a:bodyPr>
+          <a:lstStyle>
+            <a:lvl1pPr marL="228600" indent="-228600" algn="l" defTabSz="914400" rtl="0" eaLnBrk="1" latinLnBrk="0" hangingPunct="1">
+              <a:lnSpc>
+                <a:spcPct val="90000"/>
+              </a:lnSpc>
+              <a:spcBef>
+                <a:spcPts val="1000"/>
+              </a:spcBef>
+              <a:buFont typeface="Arial" panose="020B0604020202020204" pitchFamily="34" charset="0"/>
+              <a:buChar char="•"/>
+              <a:defRPr sz="2800" kern="1200">
+                <a:solidFill>
+                  <a:schemeClr val="tx1"/>
+                </a:solidFill>
+                <a:latin typeface="+mn-lt"/>
+                <a:ea typeface="+mn-ea"/>
+                <a:cs typeface="+mn-cs"/>
+              </a:defRPr>
+            </a:lvl1pPr>
+            <a:lvl2pPr marL="685800" indent="-228600" algn="l" defTabSz="914400" rtl="0" eaLnBrk="1" latinLnBrk="0" hangingPunct="1">
+              <a:lnSpc>
+                <a:spcPct val="90000"/>
+              </a:lnSpc>
+              <a:spcBef>
+                <a:spcPts val="500"/>
+              </a:spcBef>
+              <a:buFont typeface="Arial" panose="020B0604020202020204" pitchFamily="34" charset="0"/>
+              <a:buChar char="•"/>
+              <a:defRPr sz="2400" kern="1200">
+                <a:solidFill>
+                  <a:schemeClr val="tx1"/>
+                </a:solidFill>
+                <a:latin typeface="+mn-lt"/>
+                <a:ea typeface="+mn-ea"/>
+                <a:cs typeface="+mn-cs"/>
+              </a:defRPr>
+            </a:lvl2pPr>
+            <a:lvl3pPr marL="1143000" indent="-228600" algn="l" defTabSz="914400" rtl="0" eaLnBrk="1" latinLnBrk="0" hangingPunct="1">
+              <a:lnSpc>
+                <a:spcPct val="90000"/>
+              </a:lnSpc>
+              <a:spcBef>
+                <a:spcPts val="500"/>
+              </a:spcBef>
+              <a:buFont typeface="Arial" panose="020B0604020202020204" pitchFamily="34" charset="0"/>
+              <a:buChar char="•"/>
+              <a:defRPr sz="2000" kern="1200">
+                <a:solidFill>
+                  <a:schemeClr val="tx1"/>
+                </a:solidFill>
+                <a:latin typeface="+mn-lt"/>
+                <a:ea typeface="+mn-ea"/>
+                <a:cs typeface="+mn-cs"/>
+              </a:defRPr>
+            </a:lvl3pPr>
+            <a:lvl4pPr marL="1600200" indent="-228600" algn="l" defTabSz="914400" rtl="0" eaLnBrk="1" latinLnBrk="0" hangingPunct="1">
+              <a:lnSpc>
+                <a:spcPct val="90000"/>
+              </a:lnSpc>
+              <a:spcBef>
+                <a:spcPts val="500"/>
+              </a:spcBef>
+              <a:buFont typeface="Arial" panose="020B0604020202020204" pitchFamily="34" charset="0"/>
+              <a:buChar char="•"/>
+              <a:defRPr sz="1800" kern="1200">
+                <a:solidFill>
+                  <a:schemeClr val="tx1"/>
+                </a:solidFill>
+                <a:latin typeface="+mn-lt"/>
+                <a:ea typeface="+mn-ea"/>
+                <a:cs typeface="+mn-cs"/>
+              </a:defRPr>
+            </a:lvl4pPr>
+            <a:lvl5pPr marL="2057400" indent="-228600" algn="l" defTabSz="914400" rtl="0" eaLnBrk="1" latinLnBrk="0" hangingPunct="1">
+              <a:lnSpc>
+                <a:spcPct val="90000"/>
+              </a:lnSpc>
+              <a:spcBef>
+                <a:spcPts val="500"/>
+              </a:spcBef>
+              <a:buFont typeface="Arial" panose="020B0604020202020204" pitchFamily="34" charset="0"/>
+              <a:buChar char="•"/>
+              <a:defRPr sz="1800" kern="1200">
+                <a:solidFill>
+                  <a:schemeClr val="tx1"/>
+                </a:solidFill>
+                <a:latin typeface="+mn-lt"/>
+                <a:ea typeface="+mn-ea"/>
+                <a:cs typeface="+mn-cs"/>
+              </a:defRPr>
+            </a:lvl5pPr>
+            <a:lvl6pPr marL="2514600" indent="-228600" algn="l" defTabSz="914400" rtl="0" eaLnBrk="1" latinLnBrk="0" hangingPunct="1">
+              <a:lnSpc>
+                <a:spcPct val="90000"/>
+              </a:lnSpc>
+              <a:spcBef>
+                <a:spcPts val="500"/>
+              </a:spcBef>
+              <a:buFont typeface="Arial" panose="020B0604020202020204" pitchFamily="34" charset="0"/>
+              <a:buChar char="•"/>
+              <a:defRPr sz="1800" kern="1200">
+                <a:solidFill>
+                  <a:schemeClr val="tx1"/>
+                </a:solidFill>
+                <a:latin typeface="+mn-lt"/>
+                <a:ea typeface="+mn-ea"/>
+                <a:cs typeface="+mn-cs"/>
+              </a:defRPr>
+            </a:lvl6pPr>
+            <a:lvl7pPr marL="2971800" indent="-228600" algn="l" defTabSz="914400" rtl="0" eaLnBrk="1" latinLnBrk="0" hangingPunct="1">
+              <a:lnSpc>
+                <a:spcPct val="90000"/>
+              </a:lnSpc>
+              <a:spcBef>
+                <a:spcPts val="500"/>
+              </a:spcBef>
+              <a:buFont typeface="Arial" panose="020B0604020202020204" pitchFamily="34" charset="0"/>
+              <a:buChar char="•"/>
+              <a:defRPr sz="1800" kern="1200">
+                <a:solidFill>
+                  <a:schemeClr val="tx1"/>
+                </a:solidFill>
+                <a:latin typeface="+mn-lt"/>
+                <a:ea typeface="+mn-ea"/>
+                <a:cs typeface="+mn-cs"/>
+              </a:defRPr>
+            </a:lvl7pPr>
+            <a:lvl8pPr marL="3429000" indent="-228600" algn="l" defTabSz="914400" rtl="0" eaLnBrk="1" latinLnBrk="0" hangingPunct="1">
+              <a:lnSpc>
+                <a:spcPct val="90000"/>
+              </a:lnSpc>
+              <a:spcBef>
+                <a:spcPts val="500"/>
+              </a:spcBef>
+              <a:buFont typeface="Arial" panose="020B0604020202020204" pitchFamily="34" charset="0"/>
+              <a:buChar char="•"/>
+              <a:defRPr sz="1800" kern="1200">
+                <a:solidFill>
+                  <a:schemeClr val="tx1"/>
+                </a:solidFill>
+                <a:latin typeface="+mn-lt"/>
+                <a:ea typeface="+mn-ea"/>
+                <a:cs typeface="+mn-cs"/>
+              </a:defRPr>
+            </a:lvl8pPr>
+            <a:lvl9pPr marL="3886200" indent="-228600" algn="l" defTabSz="914400" rtl="0" eaLnBrk="1" latinLnBrk="0" hangingPunct="1">
+              <a:lnSpc>
+                <a:spcPct val="90000"/>
+              </a:lnSpc>
+              <a:spcBef>
+                <a:spcPts val="500"/>
+              </a:spcBef>
+              <a:buFont typeface="Arial" panose="020B0604020202020204" pitchFamily="34" charset="0"/>
+              <a:buChar char="•"/>
+              <a:defRPr sz="1800" kern="1200">
+                <a:solidFill>
+                  <a:schemeClr val="tx1"/>
+                </a:solidFill>
+                <a:latin typeface="+mn-lt"/>
+                <a:ea typeface="+mn-ea"/>
+                <a:cs typeface="+mn-cs"/>
+              </a:defRPr>
+            </a:lvl9pPr>
+          </a:lstStyle>
+          <a:p>
+            <a:r>
+              <a:rPr lang="en-US" dirty="0"/>
+              <a:t>Looks similar to an algorithm</a:t>
+            </a:r>
+          </a:p>
+          <a:p>
+            <a:r>
+              <a:rPr lang="en-US" dirty="0"/>
+              <a:t>Traverse the knitted piece in a </a:t>
+            </a:r>
+            <a:r>
+              <a:rPr lang="en-US" dirty="0" err="1"/>
+              <a:t>bustrophedic</a:t>
+            </a:r>
+            <a:r>
+              <a:rPr lang="en-US" dirty="0"/>
+              <a:t> manner</a:t>
+            </a:r>
+          </a:p>
+          <a:p>
+            <a:endParaRPr lang="en-US" dirty="0"/>
+          </a:p>
+          <a:p>
+            <a:endParaRPr lang="en-US" dirty="0"/>
+          </a:p>
+          <a:p>
+            <a:endParaRPr lang="en-US" dirty="0"/>
+          </a:p>
+          <a:p>
+            <a:pPr marL="0" indent="0">
+              <a:buNone/>
+            </a:pPr>
+            <a:r>
+              <a:rPr lang="en-US" dirty="0"/>
+              <a:t>How can we algorithmically create a knitting pattern from an image in this manner?</a:t>
+            </a:r>
+          </a:p>
+        </p:txBody>
+      </p:sp>
+    </p:spTree>
+    <p:extLst>
+      <p:ext uri="{BB962C8B-B14F-4D97-AF65-F5344CB8AC3E}">
+        <p14:creationId xmlns:p14="http://schemas.microsoft.com/office/powerpoint/2010/main" val="859020564"/>
+      </p:ext>
+    </p:extLst>
+  </p:cSld>
+  <p:clrMapOvr>
+    <a:masterClrMapping/>
+  </p:clrMapOvr>
+  <p:timing>
+    <p:tnLst>
+      <p:par>
+        <p:cTn id="1" dur="indefinite" restart="never" nodeType="tmRoot">
+          <p:childTnLst>
+            <p:seq concurrent="1" nextAc="seek">
+              <p:cTn id="2" dur="indefinite" nodeType="mainSeq">
+                <p:childTnLst>
+                  <p:par>
+                    <p:cTn id="3" fill="hold">
+                      <p:stCondLst>
+                        <p:cond delay="indefinite"/>
+                      </p:stCondLst>
+                      <p:childTnLst>
+                        <p:par>
+                          <p:cTn id="4" fill="hold">
+                            <p:stCondLst>
+                              <p:cond delay="0"/>
+                            </p:stCondLst>
+                            <p:childTnLst>
+                              <p:par>
+                                <p:cTn id="5" presetID="1" presetClass="entr" presetSubtype="0" fill="hold" grpId="0" nodeType="clickEffect">
+                                  <p:stCondLst>
+                                    <p:cond delay="0"/>
+                                  </p:stCondLst>
+                                  <p:childTnLst>
+                                    <p:set>
+                                      <p:cBhvr>
+                                        <p:cTn id="6" dur="1" fill="hold">
+                                          <p:stCondLst>
+                                            <p:cond delay="0"/>
+                                          </p:stCondLst>
+                                        </p:cTn>
+                                        <p:tgtEl>
+                                          <p:spTgt spid="7">
+                                            <p:txEl>
+                                              <p:pRg st="0" end="0"/>
+                                            </p:txEl>
+                                          </p:spTgt>
+                                        </p:tgtEl>
+                                        <p:attrNameLst>
+                                          <p:attrName>style.visibility</p:attrName>
+                                        </p:attrNameLst>
+                                      </p:cBhvr>
+                                      <p:to>
+                                        <p:strVal val="visible"/>
+                                      </p:to>
+                                    </p:set>
+                                  </p:childTnLst>
+                                </p:cTn>
+                              </p:par>
+                            </p:childTnLst>
+                          </p:cTn>
+                        </p:par>
+                      </p:childTnLst>
+                    </p:cTn>
+                  </p:par>
+                  <p:par>
+                    <p:cTn id="7" fill="hold">
+                      <p:stCondLst>
+                        <p:cond delay="indefinite"/>
+                      </p:stCondLst>
+                      <p:childTnLst>
+                        <p:par>
+                          <p:cTn id="8" fill="hold">
+                            <p:stCondLst>
+                              <p:cond delay="0"/>
+                            </p:stCondLst>
+                            <p:childTnLst>
+                              <p:par>
+                                <p:cTn id="9" presetID="1" presetClass="entr" presetSubtype="0" fill="hold" grpId="0" nodeType="clickEffect">
+                                  <p:stCondLst>
+                                    <p:cond delay="0"/>
+                                  </p:stCondLst>
+                                  <p:childTnLst>
+                                    <p:set>
+                                      <p:cBhvr>
+                                        <p:cTn id="10" dur="1" fill="hold">
+                                          <p:stCondLst>
+                                            <p:cond delay="0"/>
+                                          </p:stCondLst>
+                                        </p:cTn>
+                                        <p:tgtEl>
+                                          <p:spTgt spid="7">
+                                            <p:txEl>
+                                              <p:pRg st="1" end="1"/>
+                                            </p:txEl>
+                                          </p:spTgt>
+                                        </p:tgtEl>
+                                        <p:attrNameLst>
+                                          <p:attrName>style.visibility</p:attrName>
+                                        </p:attrNameLst>
+                                      </p:cBhvr>
+                                      <p:to>
+                                        <p:strVal val="visible"/>
+                                      </p:to>
+                                    </p:set>
+                                  </p:childTnLst>
+                                </p:cTn>
+                              </p:par>
+                            </p:childTnLst>
+                          </p:cTn>
+                        </p:par>
+                      </p:childTnLst>
+                    </p:cTn>
+                  </p:par>
+                  <p:par>
+                    <p:cTn id="11" fill="hold">
+                      <p:stCondLst>
+                        <p:cond delay="indefinite"/>
+                      </p:stCondLst>
+                      <p:childTnLst>
+                        <p:par>
+                          <p:cTn id="12" fill="hold">
+                            <p:stCondLst>
+                              <p:cond delay="0"/>
+                            </p:stCondLst>
+                            <p:childTnLst>
+                              <p:par>
+                                <p:cTn id="13" presetID="1" presetClass="entr" presetSubtype="0" fill="hold" grpId="0" nodeType="clickEffect">
+                                  <p:stCondLst>
+                                    <p:cond delay="0"/>
+                                  </p:stCondLst>
+                                  <p:childTnLst>
+                                    <p:set>
+                                      <p:cBhvr>
+                                        <p:cTn id="14" dur="1" fill="hold">
+                                          <p:stCondLst>
+                                            <p:cond delay="0"/>
+                                          </p:stCondLst>
+                                        </p:cTn>
+                                        <p:tgtEl>
+                                          <p:spTgt spid="7">
+                                            <p:txEl>
+                                              <p:pRg st="5" end="5"/>
+                                            </p:txEl>
+                                          </p:spTgt>
+                                        </p:tgtEl>
+                                        <p:attrNameLst>
+                                          <p:attrName>style.visibility</p:attrName>
+                                        </p:attrNameLst>
+                                      </p:cBhvr>
+                                      <p:to>
+                                        <p:strVal val="visible"/>
+                                      </p:to>
+                                    </p:set>
+                                  </p:childTnLst>
+                                </p:cTn>
+                              </p:par>
+                            </p:childTnLst>
+                          </p:cTn>
+                        </p:par>
+                      </p:childTnLst>
+                    </p:cTn>
+                  </p:par>
+                </p:childTnLst>
+              </p:cTn>
+              <p:prevCondLst>
+                <p:cond evt="onPrev" delay="0">
+                  <p:tgtEl>
+                    <p:sldTgt/>
+                  </p:tgtEl>
+                </p:cond>
+              </p:prevCondLst>
+              <p:nextCondLst>
+                <p:cond evt="onNext" delay="0">
+                  <p:tgtEl>
+                    <p:sldTgt/>
+                  </p:tgtEl>
+                </p:cond>
+              </p:nextCondLst>
+            </p:seq>
+          </p:childTnLst>
+        </p:cTn>
+      </p:par>
+    </p:tnLst>
+    <p:bldLst>
+      <p:bldP spid="7" grpId="0" uiExpand="1" build="p"/>
+    </p:bldLst>
+  </p:timing>
+</p:sld>
+</file>
+
+<file path=ppt/slides/slide4.xml><?xml version="1.0" encoding="utf-8"?>
+<p:sld xmlns:a="http://schemas.openxmlformats.org/drawingml/2006/main" xmlns:r="http://schemas.openxmlformats.org/officeDocument/2006/relationships" xmlns:p="http://schemas.openxmlformats.org/presentationml/2006/main">
+  <p:cSld>
+    <p:spTree>
+      <p:nvGrpSpPr>
+        <p:cNvPr id="1" name=""/>
+        <p:cNvGrpSpPr/>
+        <p:nvPr/>
+      </p:nvGrpSpPr>
+      <p:grpSpPr>
+        <a:xfrm>
+          <a:off x="0" y="0"/>
+          <a:ext cx="0" cy="0"/>
+          <a:chOff x="0" y="0"/>
+          <a:chExt cx="0" cy="0"/>
+        </a:xfrm>
+      </p:grpSpPr>
+      <p:sp>
+        <p:nvSpPr>
+          <p:cNvPr id="2" name="Title 1">
+            <a:extLst>
+              <a:ext uri="{FF2B5EF4-FFF2-40B4-BE49-F238E27FC236}">
+                <a16:creationId xmlns:a16="http://schemas.microsoft.com/office/drawing/2014/main" id="{A56F5755-1C89-F120-5476-68090419579D}"/>
+              </a:ext>
+            </a:extLst>
+          </p:cNvPr>
+          <p:cNvSpPr>
+            <a:spLocks noGrp="1"/>
+          </p:cNvSpPr>
+          <p:nvPr>
+            <p:ph type="title"/>
+          </p:nvPr>
+        </p:nvSpPr>
+        <p:spPr/>
+        <p:txBody>
+          <a:bodyPr/>
+          <a:lstStyle/>
+          <a:p>
+            <a:r>
+              <a:rPr lang="en-US" dirty="0"/>
+              <a:t>Knitting Patterns</a:t>
+            </a:r>
+          </a:p>
+        </p:txBody>
+      </p:sp>
+      <p:sp>
+        <p:nvSpPr>
+          <p:cNvPr id="3" name="Content Placeholder 2">
+            <a:extLst>
+              <a:ext uri="{FF2B5EF4-FFF2-40B4-BE49-F238E27FC236}">
+                <a16:creationId xmlns:a16="http://schemas.microsoft.com/office/drawing/2014/main" id="{D13074C5-9B25-E7B8-73CC-89FA71A80F38}"/>
+              </a:ext>
+            </a:extLst>
+          </p:cNvPr>
+          <p:cNvSpPr>
+            <a:spLocks noGrp="1"/>
+          </p:cNvSpPr>
+          <p:nvPr>
+            <p:ph idx="1"/>
+          </p:nvPr>
+        </p:nvSpPr>
+        <p:spPr>
+          <a:xfrm>
+            <a:off x="838200" y="1825625"/>
+            <a:ext cx="4503057" cy="4351338"/>
+          </a:xfrm>
+        </p:spPr>
+        <p:txBody>
+          <a:bodyPr/>
+          <a:lstStyle/>
+          <a:p>
+            <a:r>
+              <a:rPr lang="en-US" dirty="0"/>
+              <a:t>Generally used for colorwork or patterns</a:t>
+            </a:r>
+          </a:p>
+          <a:p>
+            <a:r>
+              <a:rPr lang="en-US" dirty="0"/>
+              <a:t>Read top-to-bottom, </a:t>
+            </a:r>
+            <a:r>
+              <a:rPr lang="en-US" dirty="0" err="1"/>
+              <a:t>bustrophedically</a:t>
+            </a:r>
+            <a:endParaRPr lang="en-US" dirty="0"/>
+          </a:p>
+        </p:txBody>
+      </p:sp>
+      <p:sp>
+        <p:nvSpPr>
+          <p:cNvPr id="6" name="Slide Number Placeholder 5">
+            <a:extLst>
+              <a:ext uri="{FF2B5EF4-FFF2-40B4-BE49-F238E27FC236}">
+                <a16:creationId xmlns:a16="http://schemas.microsoft.com/office/drawing/2014/main" id="{B1A08D47-47B0-F0DC-9B94-7C291B9202B8}"/>
+              </a:ext>
+            </a:extLst>
+          </p:cNvPr>
+          <p:cNvSpPr>
+            <a:spLocks noGrp="1"/>
+          </p:cNvSpPr>
+          <p:nvPr>
+            <p:ph type="sldNum" sz="quarter" idx="12"/>
+          </p:nvPr>
+        </p:nvSpPr>
+        <p:spPr/>
+        <p:txBody>
+          <a:bodyPr/>
+          <a:lstStyle/>
+          <a:p>
+            <a:fld id="{EF961DAB-05CC-2546-A3F2-1CF17559E023}" type="slidenum">
+              <a:rPr lang="en-US" smtClean="0"/>
+              <a:t>4</a:t>
+            </a:fld>
+            <a:endParaRPr lang="en-US"/>
+          </a:p>
+        </p:txBody>
+      </p:sp>
+      <p:pic>
+        <p:nvPicPr>
+          <p:cNvPr id="8" name="Picture 7" descr="A piece of paper with numbers and letters on it&#10;&#10;Description automatically generated with low confidence">
+            <a:extLst>
+              <a:ext uri="{FF2B5EF4-FFF2-40B4-BE49-F238E27FC236}">
+                <a16:creationId xmlns:a16="http://schemas.microsoft.com/office/drawing/2014/main" id="{FED9E6F5-539D-0C8D-372D-6BA4A7521445}"/>
+              </a:ext>
+            </a:extLst>
+          </p:cNvPr>
+          <p:cNvPicPr>
+            <a:picLocks noChangeAspect="1"/>
+          </p:cNvPicPr>
+          <p:nvPr/>
+        </p:nvPicPr>
+        <p:blipFill>
+          <a:blip r:embed="rId2"/>
+          <a:stretch>
+            <a:fillRect/>
+          </a:stretch>
+        </p:blipFill>
+        <p:spPr>
+          <a:xfrm>
+            <a:off x="7649029" y="136525"/>
+            <a:ext cx="3497945" cy="6623424"/>
+          </a:xfrm>
+          <a:prstGeom prst="rect">
+            <a:avLst/>
+          </a:prstGeom>
+        </p:spPr>
+      </p:pic>
+      <p:sp>
+        <p:nvSpPr>
+          <p:cNvPr id="9" name="Footer Placeholder 8">
+            <a:extLst>
+              <a:ext uri="{FF2B5EF4-FFF2-40B4-BE49-F238E27FC236}">
+                <a16:creationId xmlns:a16="http://schemas.microsoft.com/office/drawing/2014/main" id="{A89FF843-999A-F3DC-A30D-8240AFBD5882}"/>
+              </a:ext>
+            </a:extLst>
+          </p:cNvPr>
+          <p:cNvSpPr>
+            <a:spLocks noGrp="1"/>
+          </p:cNvSpPr>
+          <p:nvPr>
+            <p:ph type="ftr" sz="quarter" idx="11"/>
+          </p:nvPr>
+        </p:nvSpPr>
+        <p:spPr/>
+        <p:txBody>
+          <a:bodyPr/>
+          <a:lstStyle/>
+          <a:p>
+            <a:r>
+              <a:rPr lang="en-US"/>
+              <a:t>M. Wright. Cornish Guernseys &amp; Knitfrocks. Polperro Heritage Press, 2012.</a:t>
+            </a:r>
+          </a:p>
+          <a:p>
+            <a:r>
+              <a:rPr lang="en-US"/>
+              <a:t>
+</a:t>
+            </a:r>
+            <a:endParaRPr lang="en-US" dirty="0"/>
+          </a:p>
+        </p:txBody>
+      </p:sp>
+    </p:spTree>
+    <p:extLst>
+      <p:ext uri="{BB962C8B-B14F-4D97-AF65-F5344CB8AC3E}">
+        <p14:creationId xmlns:p14="http://schemas.microsoft.com/office/powerpoint/2010/main" val="2975526663"/>
+      </p:ext>
+    </p:extLst>
+  </p:cSld>
+  <p:clrMapOvr>
+    <a:masterClrMapping/>
+  </p:clrMapOvr>
+  <p:timing>
+    <p:tnLst>
+      <p:par>
+        <p:cTn id="1" dur="indefinite" restart="never" nodeType="tmRoot">
+          <p:childTnLst>
+            <p:seq concurrent="1" nextAc="seek">
+              <p:cTn id="2" dur="indefinite" nodeType="mainSeq">
+                <p:childTnLst>
+                  <p:par>
+                    <p:cTn id="3" fill="hold">
+                      <p:stCondLst>
+                        <p:cond delay="indefinite"/>
+                      </p:stCondLst>
+                      <p:childTnLst>
+                        <p:par>
+                          <p:cTn id="4" fill="hold">
+                            <p:stCondLst>
+                              <p:cond delay="0"/>
+                            </p:stCondLst>
+                            <p:childTnLst>
+                              <p:par>
+                                <p:cTn id="5" presetID="1" presetClass="entr" presetSubtype="0" fill="hold" grpId="0" nodeType="clickEffect">
+                                  <p:stCondLst>
+                                    <p:cond delay="0"/>
+                                  </p:stCondLst>
+                                  <p:childTnLst>
+                                    <p:set>
+                                      <p:cBhvr>
+                                        <p:cTn id="6" dur="1" fill="hold">
+                                          <p:stCondLst>
+                                            <p:cond delay="0"/>
+                                          </p:stCondLst>
+                                        </p:cTn>
+                                        <p:tgtEl>
+                                          <p:spTgt spid="3"/>
+                                        </p:tgtEl>
+                                        <p:attrNameLst>
+                                          <p:attrName>style.visibility</p:attrName>
+                                        </p:attrNameLst>
+                                      </p:cBhvr>
+                                      <p:to>
+                                        <p:strVal val="visible"/>
+                                      </p:to>
+                                    </p:set>
+                                  </p:childTnLst>
+                                </p:cTn>
+                              </p:par>
+                            </p:childTnLst>
+                          </p:cTn>
+                        </p:par>
+                      </p:childTnLst>
+                    </p:cTn>
+                  </p:par>
+                </p:childTnLst>
+              </p:cTn>
+              <p:prevCondLst>
+                <p:cond evt="onPrev" delay="0">
+                  <p:tgtEl>
+                    <p:sldTgt/>
+                  </p:tgtEl>
+                </p:cond>
+              </p:prevCondLst>
+              <p:nextCondLst>
+                <p:cond evt="onNext" delay="0">
+                  <p:tgtEl>
+                    <p:sldTgt/>
+                  </p:tgtEl>
+                </p:cond>
+              </p:nextCondLst>
+            </p:seq>
+          </p:childTnLst>
+        </p:cTn>
+      </p:par>
+    </p:tnLst>
+    <p:bldLst>
+      <p:bldP spid="3" grpId="0"/>
+    </p:bldLst>
+  </p:timing>
+</p:sld>
+</file>
+
+<file path=ppt/slides/slide5.xml><?xml version="1.0" encoding="utf-8"?>
+<p:sld xmlns:a="http://schemas.openxmlformats.org/drawingml/2006/main" xmlns:r="http://schemas.openxmlformats.org/officeDocument/2006/relationships" xmlns:p="http://schemas.openxmlformats.org/presentationml/2006/main">
+  <p:cSld>
+    <p:spTree>
+      <p:nvGrpSpPr>
+        <p:cNvPr id="1" name=""/>
+        <p:cNvGrpSpPr/>
+        <p:nvPr/>
+      </p:nvGrpSpPr>
+      <p:grpSpPr>
+        <a:xfrm>
+          <a:off x="0" y="0"/>
+          <a:ext cx="0" cy="0"/>
+          <a:chOff x="0" y="0"/>
+          <a:chExt cx="0" cy="0"/>
+        </a:xfrm>
+      </p:grpSpPr>
+      <p:sp>
+        <p:nvSpPr>
+          <p:cNvPr id="2" name="Title 1">
+            <a:extLst>
+              <a:ext uri="{FF2B5EF4-FFF2-40B4-BE49-F238E27FC236}">
+                <a16:creationId xmlns:a16="http://schemas.microsoft.com/office/drawing/2014/main" id="{A56F5755-1C89-F120-5476-68090419579D}"/>
+              </a:ext>
+            </a:extLst>
+          </p:cNvPr>
+          <p:cNvSpPr>
+            <a:spLocks noGrp="1"/>
+          </p:cNvSpPr>
+          <p:nvPr>
+            <p:ph type="title"/>
+          </p:nvPr>
+        </p:nvSpPr>
+        <p:spPr/>
+        <p:txBody>
+          <a:bodyPr/>
+          <a:lstStyle/>
+          <a:p>
+            <a:r>
+              <a:rPr lang="en-US" dirty="0"/>
+              <a:t>Knitting Patterns</a:t>
+            </a:r>
+          </a:p>
+        </p:txBody>
+      </p:sp>
+      <p:sp>
+        <p:nvSpPr>
+          <p:cNvPr id="6" name="Slide Number Placeholder 5">
+            <a:extLst>
+              <a:ext uri="{FF2B5EF4-FFF2-40B4-BE49-F238E27FC236}">
+                <a16:creationId xmlns:a16="http://schemas.microsoft.com/office/drawing/2014/main" id="{B1A08D47-47B0-F0DC-9B94-7C291B9202B8}"/>
+              </a:ext>
+            </a:extLst>
+          </p:cNvPr>
+          <p:cNvSpPr>
+            <a:spLocks noGrp="1"/>
+          </p:cNvSpPr>
+          <p:nvPr>
+            <p:ph type="sldNum" sz="quarter" idx="12"/>
+          </p:nvPr>
+        </p:nvSpPr>
+        <p:spPr/>
+        <p:txBody>
+          <a:bodyPr/>
+          <a:lstStyle/>
+          <a:p>
+            <a:fld id="{EF961DAB-05CC-2546-A3F2-1CF17559E023}" type="slidenum">
+              <a:rPr lang="en-US" smtClean="0"/>
+              <a:t>5</a:t>
+            </a:fld>
+            <a:endParaRPr lang="en-US"/>
+          </a:p>
+        </p:txBody>
+      </p:sp>
+      <p:pic>
+        <p:nvPicPr>
+          <p:cNvPr id="8" name="Picture 7" descr="A piece of paper with numbers and letters on it&#10;&#10;Description automatically generated with low confidence">
+            <a:extLst>
+              <a:ext uri="{FF2B5EF4-FFF2-40B4-BE49-F238E27FC236}">
+                <a16:creationId xmlns:a16="http://schemas.microsoft.com/office/drawing/2014/main" id="{FED9E6F5-539D-0C8D-372D-6BA4A7521445}"/>
+              </a:ext>
+            </a:extLst>
+          </p:cNvPr>
+          <p:cNvPicPr>
+            <a:picLocks noChangeAspect="1"/>
+          </p:cNvPicPr>
+          <p:nvPr/>
+        </p:nvPicPr>
+        <p:blipFill>
+          <a:blip r:embed="rId2"/>
+          <a:stretch>
+            <a:fillRect/>
+          </a:stretch>
+        </p:blipFill>
+        <p:spPr>
+          <a:xfrm>
+            <a:off x="7652659" y="136525"/>
+            <a:ext cx="3497945" cy="6623424"/>
+          </a:xfrm>
+          <a:prstGeom prst="rect">
+            <a:avLst/>
+          </a:prstGeom>
+        </p:spPr>
+      </p:pic>
+      <p:pic>
+        <p:nvPicPr>
+          <p:cNvPr id="9" name="Content Placeholder 8" descr="Text&#10;&#10;Description automatically generated">
+            <a:extLst>
+              <a:ext uri="{FF2B5EF4-FFF2-40B4-BE49-F238E27FC236}">
+                <a16:creationId xmlns:a16="http://schemas.microsoft.com/office/drawing/2014/main" id="{BCC2911A-EE0C-3C0C-D22A-496E21D89D02}"/>
+              </a:ext>
+            </a:extLst>
+          </p:cNvPr>
+          <p:cNvPicPr>
+            <a:picLocks noGrp="1" noChangeAspect="1"/>
+          </p:cNvPicPr>
+          <p:nvPr>
+            <p:ph idx="1"/>
+          </p:nvPr>
+        </p:nvPicPr>
+        <p:blipFill>
+          <a:blip r:embed="rId3"/>
+          <a:stretch>
+            <a:fillRect/>
+          </a:stretch>
+        </p:blipFill>
+        <p:spPr>
+          <a:xfrm>
+            <a:off x="672581" y="1516517"/>
+            <a:ext cx="4572000" cy="2362200"/>
+          </a:xfrm>
+        </p:spPr>
+      </p:pic>
+      <p:sp>
+        <p:nvSpPr>
+          <p:cNvPr id="12" name="Footer Placeholder 11">
+            <a:extLst>
+              <a:ext uri="{FF2B5EF4-FFF2-40B4-BE49-F238E27FC236}">
+                <a16:creationId xmlns:a16="http://schemas.microsoft.com/office/drawing/2014/main" id="{0A398F2F-18B3-4E30-A7F8-1C4ACE333CF1}"/>
+              </a:ext>
+            </a:extLst>
+          </p:cNvPr>
+          <p:cNvSpPr>
+            <a:spLocks noGrp="1"/>
+          </p:cNvSpPr>
+          <p:nvPr>
+            <p:ph type="ftr" sz="quarter" idx="11"/>
+          </p:nvPr>
+        </p:nvSpPr>
+        <p:spPr/>
+        <p:txBody>
+          <a:bodyPr/>
+          <a:lstStyle/>
+          <a:p>
+            <a:r>
+              <a:rPr lang="en-US"/>
+              <a:t>M. Wright. Cornish Guernseys &amp; Knitfrocks. Polperro Heritage Press, 2012.</a:t>
+            </a:r>
+          </a:p>
+          <a:p>
+            <a:r>
+              <a:rPr lang="en-US"/>
+              <a:t>
+</a:t>
+            </a:r>
+          </a:p>
+        </p:txBody>
+      </p:sp>
+      <p:pic>
+        <p:nvPicPr>
+          <p:cNvPr id="11" name="Picture 10">
+            <a:extLst>
+              <a:ext uri="{FF2B5EF4-FFF2-40B4-BE49-F238E27FC236}">
+                <a16:creationId xmlns:a16="http://schemas.microsoft.com/office/drawing/2014/main" id="{AD795314-F179-7E51-5BF0-318A96F24078}"/>
+              </a:ext>
+            </a:extLst>
+          </p:cNvPr>
+          <p:cNvPicPr>
+            <a:picLocks noChangeAspect="1"/>
+          </p:cNvPicPr>
+          <p:nvPr/>
+        </p:nvPicPr>
+        <p:blipFill>
+          <a:blip r:embed="rId4"/>
+          <a:stretch>
+            <a:fillRect/>
+          </a:stretch>
+        </p:blipFill>
+        <p:spPr>
+          <a:xfrm rot="5400000">
+            <a:off x="3204562" y="3289341"/>
+            <a:ext cx="4318226" cy="4636018"/>
+          </a:xfrm>
+          <a:prstGeom prst="rect">
+            <a:avLst/>
+          </a:prstGeom>
+        </p:spPr>
+      </p:pic>
+    </p:spTree>
+    <p:extLst>
+      <p:ext uri="{BB962C8B-B14F-4D97-AF65-F5344CB8AC3E}">
+        <p14:creationId xmlns:p14="http://schemas.microsoft.com/office/powerpoint/2010/main" val="3402814439"/>
+      </p:ext>
+    </p:extLst>
+  </p:cSld>
+  <p:clrMapOvr>
+    <a:masterClrMapping/>
+  </p:clrMapOvr>
+  <p:timing>
+    <p:tnLst>
+      <p:par>
+        <p:cTn id="1" dur="indefinite" restart="never" nodeType="tmRoot">
+          <p:childTnLst>
+            <p:seq concurrent="1" nextAc="seek">
+              <p:cTn id="2" dur="indefinite" nodeType="mainSeq">
+                <p:childTnLst>
+                  <p:par>
+                    <p:cTn id="3" fill="hold">
+                      <p:stCondLst>
+                        <p:cond delay="indefinite"/>
+                      </p:stCondLst>
+                      <p:childTnLst>
+                        <p:par>
+                          <p:cTn id="4" fill="hold">
+                            <p:stCondLst>
+                              <p:cond delay="0"/>
+                            </p:stCondLst>
+                            <p:childTnLst>
+                              <p:par>
+                                <p:cTn id="5" presetID="1" presetClass="entr" presetSubtype="0" fill="hold" nodeType="clickEffect">
+                                  <p:stCondLst>
+                                    <p:cond delay="0"/>
+                                  </p:stCondLst>
+                                  <p:childTnLst>
+                                    <p:set>
+                                      <p:cBhvr>
+                                        <p:cTn id="6" dur="1" fill="hold">
+                                          <p:stCondLst>
+                                            <p:cond delay="0"/>
+                                          </p:stCondLst>
+                                        </p:cTn>
+                                        <p:tgtEl>
+                                          <p:spTgt spid="11"/>
+                                        </p:tgtEl>
+                                        <p:attrNameLst>
+                                          <p:attrName>style.visibility</p:attrName>
+                                        </p:attrNameLst>
+                                      </p:cBhvr>
+                                      <p:to>
+                                        <p:strVal val="visible"/>
+                                      </p:to>
+                                    </p:set>
+                                  </p:childTnLst>
+                                </p:cTn>
+                              </p:par>
+                            </p:childTnLst>
+                          </p:cTn>
+                        </p:par>
+                      </p:childTnLst>
+                    </p:cTn>
+                  </p:par>
+                </p:childTnLst>
+              </p:cTn>
+              <p:prevCondLst>
+                <p:cond evt="onPrev" delay="0">
+                  <p:tgtEl>
+                    <p:sldTgt/>
+                  </p:tgtEl>
+                </p:cond>
+              </p:prevCondLst>
+              <p:nextCondLst>
+                <p:cond evt="onNext" delay="0">
+                  <p:tgtEl>
+                    <p:sldTgt/>
+                  </p:tgtEl>
+                </p:cond>
+              </p:nextCondLst>
+            </p:seq>
+          </p:childTnLst>
+        </p:cTn>
+      </p:par>
+    </p:tnLst>
+  </p:timing>
+</p:sld>
+</file>
+
+<file path=ppt/slides/slide6.xml><?xml version="1.0" encoding="utf-8"?>
+<p:sld xmlns:a="http://schemas.openxmlformats.org/drawingml/2006/main" xmlns:r="http://schemas.openxmlformats.org/officeDocument/2006/relationships" xmlns:p="http://schemas.openxmlformats.org/presentationml/2006/main">
+  <p:cSld>
+    <p:spTree>
+      <p:nvGrpSpPr>
+        <p:cNvPr id="1" name=""/>
+        <p:cNvGrpSpPr/>
+        <p:nvPr/>
+      </p:nvGrpSpPr>
+      <p:grpSpPr>
+        <a:xfrm>
+          <a:off x="0" y="0"/>
+          <a:ext cx="0" cy="0"/>
+          <a:chOff x="0" y="0"/>
+          <a:chExt cx="0" cy="0"/>
+        </a:xfrm>
+      </p:grpSpPr>
+      <p:sp>
+        <p:nvSpPr>
+          <p:cNvPr id="2" name="Title 1">
+            <a:extLst>
+              <a:ext uri="{FF2B5EF4-FFF2-40B4-BE49-F238E27FC236}">
+                <a16:creationId xmlns:a16="http://schemas.microsoft.com/office/drawing/2014/main" id="{3AC942A2-ACF0-9BE7-43E5-63870C376D1A}"/>
+              </a:ext>
+            </a:extLst>
+          </p:cNvPr>
+          <p:cNvSpPr>
+            <a:spLocks noGrp="1"/>
+          </p:cNvSpPr>
+          <p:nvPr>
+            <p:ph type="title"/>
+          </p:nvPr>
+        </p:nvSpPr>
+        <p:spPr/>
+        <p:txBody>
+          <a:bodyPr/>
+          <a:lstStyle/>
+          <a:p>
+            <a:r>
+              <a:rPr lang="en-US" dirty="0"/>
+              <a:t>Knitting Techniques</a:t>
+            </a:r>
+          </a:p>
+        </p:txBody>
+      </p:sp>
+      <p:sp>
+        <p:nvSpPr>
+          <p:cNvPr id="3" name="Content Placeholder 2">
+            <a:extLst>
+              <a:ext uri="{FF2B5EF4-FFF2-40B4-BE49-F238E27FC236}">
+                <a16:creationId xmlns:a16="http://schemas.microsoft.com/office/drawing/2014/main" id="{466CDBF4-ED8B-D8F0-FDF9-C66638EC456C}"/>
+              </a:ext>
+            </a:extLst>
+          </p:cNvPr>
+          <p:cNvSpPr>
+            <a:spLocks noGrp="1"/>
+          </p:cNvSpPr>
+          <p:nvPr>
+            <p:ph idx="1"/>
+          </p:nvPr>
+        </p:nvSpPr>
+        <p:spPr>
+          <a:xfrm>
+            <a:off x="838200" y="1825625"/>
+            <a:ext cx="5257800" cy="4351338"/>
+          </a:xfrm>
+        </p:spPr>
+        <p:txBody>
+          <a:bodyPr/>
+          <a:lstStyle/>
+          <a:p>
+            <a:pPr marL="0" indent="0">
+              <a:buNone/>
+            </a:pPr>
+            <a:r>
+              <a:rPr lang="en-US" dirty="0"/>
+              <a:t>Functionality for:</a:t>
+            </a:r>
+          </a:p>
+          <a:p>
+            <a:r>
+              <a:rPr lang="en-US" dirty="0"/>
+              <a:t>Increasing &amp; decreasing</a:t>
+            </a:r>
+          </a:p>
+          <a:p>
+            <a:r>
+              <a:rPr lang="en-US" dirty="0"/>
+              <a:t>Casting on &amp; casting off</a:t>
+            </a:r>
+          </a:p>
+          <a:p>
+            <a:pPr marL="0" indent="0">
+              <a:buNone/>
+            </a:pPr>
+            <a:endParaRPr lang="en-US" dirty="0"/>
+          </a:p>
+        </p:txBody>
+      </p:sp>
+      <p:sp>
+        <p:nvSpPr>
+          <p:cNvPr id="5" name="Slide Number Placeholder 4">
+            <a:extLst>
+              <a:ext uri="{FF2B5EF4-FFF2-40B4-BE49-F238E27FC236}">
+                <a16:creationId xmlns:a16="http://schemas.microsoft.com/office/drawing/2014/main" id="{C4F32E2C-11D3-2225-71AE-212B900BEE9C}"/>
+              </a:ext>
+            </a:extLst>
+          </p:cNvPr>
+          <p:cNvSpPr>
+            <a:spLocks noGrp="1"/>
+          </p:cNvSpPr>
+          <p:nvPr>
+            <p:ph type="sldNum" sz="quarter" idx="12"/>
+          </p:nvPr>
+        </p:nvSpPr>
+        <p:spPr/>
+        <p:txBody>
+          <a:bodyPr/>
+          <a:lstStyle/>
+          <a:p>
+            <a:fld id="{EF961DAB-05CC-2546-A3F2-1CF17559E023}" type="slidenum">
+              <a:rPr lang="en-US" smtClean="0"/>
+              <a:t>6</a:t>
+            </a:fld>
+            <a:endParaRPr lang="en-US"/>
+          </a:p>
+        </p:txBody>
+      </p:sp>
+      <p:sp>
+        <p:nvSpPr>
+          <p:cNvPr id="6" name="Content Placeholder 2">
+            <a:extLst>
+              <a:ext uri="{FF2B5EF4-FFF2-40B4-BE49-F238E27FC236}">
+                <a16:creationId xmlns:a16="http://schemas.microsoft.com/office/drawing/2014/main" id="{E0D141FA-D635-103B-D51B-5B0B7C836CF0}"/>
+              </a:ext>
+            </a:extLst>
+          </p:cNvPr>
+          <p:cNvSpPr txBox="1">
+            <a:spLocks/>
+          </p:cNvSpPr>
+          <p:nvPr/>
+        </p:nvSpPr>
+        <p:spPr>
+          <a:xfrm>
+            <a:off x="6096000" y="1690688"/>
+            <a:ext cx="5257800" cy="4351338"/>
+          </a:xfrm>
+          <a:prstGeom prst="rect">
+            <a:avLst/>
+          </a:prstGeom>
+        </p:spPr>
+        <p:txBody>
+          <a:bodyPr vert="horz" lIns="91440" tIns="45720" rIns="91440" bIns="45720" rtlCol="0">
+            <a:normAutofit/>
+          </a:bodyPr>
+          <a:lstStyle>
+            <a:lvl1pPr marL="228600" indent="-228600" algn="l" defTabSz="914400" rtl="0" eaLnBrk="1" latinLnBrk="0" hangingPunct="1">
+              <a:lnSpc>
+                <a:spcPct val="90000"/>
+              </a:lnSpc>
+              <a:spcBef>
+                <a:spcPts val="1000"/>
+              </a:spcBef>
+              <a:buFont typeface="Arial" panose="020B0604020202020204" pitchFamily="34" charset="0"/>
+              <a:buChar char="•"/>
+              <a:defRPr sz="2800" kern="1200">
+                <a:solidFill>
+                  <a:schemeClr val="tx1"/>
+                </a:solidFill>
+                <a:latin typeface="+mn-lt"/>
+                <a:ea typeface="+mn-ea"/>
+                <a:cs typeface="+mn-cs"/>
+              </a:defRPr>
+            </a:lvl1pPr>
+            <a:lvl2pPr marL="685800" indent="-228600" algn="l" defTabSz="914400" rtl="0" eaLnBrk="1" latinLnBrk="0" hangingPunct="1">
+              <a:lnSpc>
+                <a:spcPct val="90000"/>
+              </a:lnSpc>
+              <a:spcBef>
+                <a:spcPts val="500"/>
+              </a:spcBef>
+              <a:buFont typeface="Arial" panose="020B0604020202020204" pitchFamily="34" charset="0"/>
+              <a:buChar char="•"/>
+              <a:defRPr sz="2400" kern="1200">
+                <a:solidFill>
+                  <a:schemeClr val="tx1"/>
+                </a:solidFill>
+                <a:latin typeface="+mn-lt"/>
+                <a:ea typeface="+mn-ea"/>
+                <a:cs typeface="+mn-cs"/>
+              </a:defRPr>
+            </a:lvl2pPr>
+            <a:lvl3pPr marL="1143000" indent="-228600" algn="l" defTabSz="914400" rtl="0" eaLnBrk="1" latinLnBrk="0" hangingPunct="1">
+              <a:lnSpc>
+                <a:spcPct val="90000"/>
+              </a:lnSpc>
+              <a:spcBef>
+                <a:spcPts val="500"/>
+              </a:spcBef>
+              <a:buFont typeface="Arial" panose="020B0604020202020204" pitchFamily="34" charset="0"/>
+              <a:buChar char="•"/>
+              <a:defRPr sz="2000" kern="1200">
+                <a:solidFill>
+                  <a:schemeClr val="tx1"/>
+                </a:solidFill>
+                <a:latin typeface="+mn-lt"/>
+                <a:ea typeface="+mn-ea"/>
+                <a:cs typeface="+mn-cs"/>
+              </a:defRPr>
+            </a:lvl3pPr>
+            <a:lvl4pPr marL="1600200" indent="-228600" algn="l" defTabSz="914400" rtl="0" eaLnBrk="1" latinLnBrk="0" hangingPunct="1">
+              <a:lnSpc>
+                <a:spcPct val="90000"/>
+              </a:lnSpc>
+              <a:spcBef>
+                <a:spcPts val="500"/>
+              </a:spcBef>
+              <a:buFont typeface="Arial" panose="020B0604020202020204" pitchFamily="34" charset="0"/>
+              <a:buChar char="•"/>
+              <a:defRPr sz="1800" kern="1200">
+                <a:solidFill>
+                  <a:schemeClr val="tx1"/>
+                </a:solidFill>
+                <a:latin typeface="+mn-lt"/>
+                <a:ea typeface="+mn-ea"/>
+                <a:cs typeface="+mn-cs"/>
+              </a:defRPr>
+            </a:lvl4pPr>
+            <a:lvl5pPr marL="2057400" indent="-228600" algn="l" defTabSz="914400" rtl="0" eaLnBrk="1" latinLnBrk="0" hangingPunct="1">
+              <a:lnSpc>
+                <a:spcPct val="90000"/>
+              </a:lnSpc>
+              <a:spcBef>
+                <a:spcPts val="500"/>
+              </a:spcBef>
+              <a:buFont typeface="Arial" panose="020B0604020202020204" pitchFamily="34" charset="0"/>
+              <a:buChar char="•"/>
+              <a:defRPr sz="1800" kern="1200">
+                <a:solidFill>
+                  <a:schemeClr val="tx1"/>
+                </a:solidFill>
+                <a:latin typeface="+mn-lt"/>
+                <a:ea typeface="+mn-ea"/>
+                <a:cs typeface="+mn-cs"/>
+              </a:defRPr>
+            </a:lvl5pPr>
+            <a:lvl6pPr marL="2514600" indent="-228600" algn="l" defTabSz="914400" rtl="0" eaLnBrk="1" latinLnBrk="0" hangingPunct="1">
+              <a:lnSpc>
+                <a:spcPct val="90000"/>
+              </a:lnSpc>
+              <a:spcBef>
+                <a:spcPts val="500"/>
+              </a:spcBef>
+              <a:buFont typeface="Arial" panose="020B0604020202020204" pitchFamily="34" charset="0"/>
+              <a:buChar char="•"/>
+              <a:defRPr sz="1800" kern="1200">
+                <a:solidFill>
+                  <a:schemeClr val="tx1"/>
+                </a:solidFill>
+                <a:latin typeface="+mn-lt"/>
+                <a:ea typeface="+mn-ea"/>
+                <a:cs typeface="+mn-cs"/>
+              </a:defRPr>
+            </a:lvl6pPr>
+            <a:lvl7pPr marL="2971800" indent="-228600" algn="l" defTabSz="914400" rtl="0" eaLnBrk="1" latinLnBrk="0" hangingPunct="1">
+              <a:lnSpc>
+                <a:spcPct val="90000"/>
+              </a:lnSpc>
+              <a:spcBef>
+                <a:spcPts val="500"/>
+              </a:spcBef>
+              <a:buFont typeface="Arial" panose="020B0604020202020204" pitchFamily="34" charset="0"/>
+              <a:buChar char="•"/>
+              <a:defRPr sz="1800" kern="1200">
+                <a:solidFill>
+                  <a:schemeClr val="tx1"/>
+                </a:solidFill>
+                <a:latin typeface="+mn-lt"/>
+                <a:ea typeface="+mn-ea"/>
+                <a:cs typeface="+mn-cs"/>
+              </a:defRPr>
+            </a:lvl7pPr>
+            <a:lvl8pPr marL="3429000" indent="-228600" algn="l" defTabSz="914400" rtl="0" eaLnBrk="1" latinLnBrk="0" hangingPunct="1">
+              <a:lnSpc>
+                <a:spcPct val="90000"/>
+              </a:lnSpc>
+              <a:spcBef>
+                <a:spcPts val="500"/>
+              </a:spcBef>
+              <a:buFont typeface="Arial" panose="020B0604020202020204" pitchFamily="34" charset="0"/>
+              <a:buChar char="•"/>
+              <a:defRPr sz="1800" kern="1200">
+                <a:solidFill>
+                  <a:schemeClr val="tx1"/>
+                </a:solidFill>
+                <a:latin typeface="+mn-lt"/>
+                <a:ea typeface="+mn-ea"/>
+                <a:cs typeface="+mn-cs"/>
+              </a:defRPr>
+            </a:lvl8pPr>
+            <a:lvl9pPr marL="3886200" indent="-228600" algn="l" defTabSz="914400" rtl="0" eaLnBrk="1" latinLnBrk="0" hangingPunct="1">
+              <a:lnSpc>
+                <a:spcPct val="90000"/>
+              </a:lnSpc>
+              <a:spcBef>
+                <a:spcPts val="500"/>
+              </a:spcBef>
+              <a:buFont typeface="Arial" panose="020B0604020202020204" pitchFamily="34" charset="0"/>
+              <a:buChar char="•"/>
+              <a:defRPr sz="1800" kern="1200">
+                <a:solidFill>
+                  <a:schemeClr val="tx1"/>
+                </a:solidFill>
+                <a:latin typeface="+mn-lt"/>
+                <a:ea typeface="+mn-ea"/>
+                <a:cs typeface="+mn-cs"/>
+              </a:defRPr>
+            </a:lvl9pPr>
+          </a:lstStyle>
+          <a:p>
+            <a:pPr marL="0" indent="0">
+              <a:buFont typeface="Arial" panose="020B0604020202020204" pitchFamily="34" charset="0"/>
+              <a:buNone/>
+            </a:pPr>
+            <a:r>
+              <a:rPr lang="en-US" dirty="0"/>
+              <a:t>No functionality for:</a:t>
+            </a:r>
+          </a:p>
+          <a:p>
+            <a:r>
+              <a:rPr lang="en-US" dirty="0"/>
+              <a:t>Purl stitches</a:t>
+            </a:r>
+          </a:p>
+          <a:p>
+            <a:r>
+              <a:rPr lang="en-US" dirty="0"/>
+              <a:t>Cable knitting</a:t>
+            </a:r>
+          </a:p>
+          <a:p>
+            <a:r>
+              <a:rPr lang="en-US" dirty="0"/>
+              <a:t>Knitting in the round</a:t>
+            </a:r>
+          </a:p>
+          <a:p>
+            <a:pPr marL="0" indent="0">
+              <a:buFont typeface="Arial" panose="020B0604020202020204" pitchFamily="34" charset="0"/>
+              <a:buNone/>
+            </a:pPr>
+            <a:endParaRPr lang="en-US" dirty="0"/>
+          </a:p>
+        </p:txBody>
+      </p:sp>
+    </p:spTree>
+    <p:extLst>
+      <p:ext uri="{BB962C8B-B14F-4D97-AF65-F5344CB8AC3E}">
+        <p14:creationId xmlns:p14="http://schemas.microsoft.com/office/powerpoint/2010/main" val="950763713"/>
+      </p:ext>
+    </p:extLst>
+  </p:cSld>
+  <p:clrMapOvr>
+    <a:masterClrMapping/>
+  </p:clrMapOvr>
+</p:sld>
+</file>
+
+<file path=ppt/slides/slide7.xml><?xml version="1.0" encoding="utf-8"?>
+<p:sld xmlns:a="http://schemas.openxmlformats.org/drawingml/2006/main" xmlns:r="http://schemas.openxmlformats.org/officeDocument/2006/relationships" xmlns:p="http://schemas.openxmlformats.org/presentationml/2006/main">
+  <p:cSld>
+    <p:spTree>
+      <p:nvGrpSpPr>
+        <p:cNvPr id="1" name=""/>
+        <p:cNvGrpSpPr/>
+        <p:nvPr/>
+      </p:nvGrpSpPr>
+      <p:grpSpPr>
+        <a:xfrm>
+          <a:off x="0" y="0"/>
+          <a:ext cx="0" cy="0"/>
+          <a:chOff x="0" y="0"/>
+          <a:chExt cx="0" cy="0"/>
+        </a:xfrm>
+      </p:grpSpPr>
+      <p:sp>
+        <p:nvSpPr>
+          <p:cNvPr id="2" name="Title 1">
+            <a:extLst>
+              <a:ext uri="{FF2B5EF4-FFF2-40B4-BE49-F238E27FC236}">
+                <a16:creationId xmlns:a16="http://schemas.microsoft.com/office/drawing/2014/main" id="{A52C1A8B-9802-424E-7640-566D89BFA532}"/>
+              </a:ext>
+            </a:extLst>
+          </p:cNvPr>
+          <p:cNvSpPr>
+            <a:spLocks noGrp="1"/>
+          </p:cNvSpPr>
+          <p:nvPr>
+            <p:ph type="title"/>
+          </p:nvPr>
+        </p:nvSpPr>
+        <p:spPr/>
+        <p:txBody>
+          <a:bodyPr/>
+          <a:lstStyle/>
+          <a:p>
+            <a:r>
+              <a:rPr lang="en-US" dirty="0"/>
+              <a:t>Decreasing and Increasing</a:t>
+            </a:r>
+          </a:p>
+        </p:txBody>
+      </p:sp>
+      <p:sp>
+        <p:nvSpPr>
+          <p:cNvPr id="4" name="Slide Number Placeholder 3">
+            <a:extLst>
+              <a:ext uri="{FF2B5EF4-FFF2-40B4-BE49-F238E27FC236}">
+                <a16:creationId xmlns:a16="http://schemas.microsoft.com/office/drawing/2014/main" id="{82502C38-0EC8-61D2-2319-1EB06DBF0DEE}"/>
+              </a:ext>
+            </a:extLst>
+          </p:cNvPr>
+          <p:cNvSpPr>
+            <a:spLocks noGrp="1"/>
+          </p:cNvSpPr>
+          <p:nvPr>
+            <p:ph type="sldNum" sz="quarter" idx="12"/>
+          </p:nvPr>
+        </p:nvSpPr>
+        <p:spPr/>
+        <p:txBody>
+          <a:bodyPr/>
+          <a:lstStyle/>
+          <a:p>
+            <a:fld id="{EF961DAB-05CC-2546-A3F2-1CF17559E023}" type="slidenum">
+              <a:rPr lang="en-US" smtClean="0"/>
+              <a:t>7</a:t>
+            </a:fld>
+            <a:endParaRPr lang="en-US"/>
+          </a:p>
+        </p:txBody>
+      </p:sp>
+      <p:pic>
+        <p:nvPicPr>
+          <p:cNvPr id="13" name="Content Placeholder 12">
+            <a:extLst>
+              <a:ext uri="{FF2B5EF4-FFF2-40B4-BE49-F238E27FC236}">
+                <a16:creationId xmlns:a16="http://schemas.microsoft.com/office/drawing/2014/main" id="{8BF48DE7-5766-DCE9-8D78-C006516C46B0}"/>
+              </a:ext>
+            </a:extLst>
+          </p:cNvPr>
+          <p:cNvPicPr>
+            <a:picLocks noGrp="1" noChangeAspect="1"/>
+          </p:cNvPicPr>
+          <p:nvPr>
+            <p:ph idx="1"/>
+          </p:nvPr>
+        </p:nvPicPr>
+        <p:blipFill>
+          <a:blip r:embed="rId2"/>
+          <a:stretch>
+            <a:fillRect/>
+          </a:stretch>
+        </p:blipFill>
+        <p:spPr>
+          <a:xfrm>
+            <a:off x="5446754" y="2031999"/>
+            <a:ext cx="6327692" cy="3444875"/>
+          </a:xfrm>
+        </p:spPr>
+      </p:pic>
+      <p:sp>
+        <p:nvSpPr>
+          <p:cNvPr id="14" name="Content Placeholder 2">
+            <a:extLst>
+              <a:ext uri="{FF2B5EF4-FFF2-40B4-BE49-F238E27FC236}">
+                <a16:creationId xmlns:a16="http://schemas.microsoft.com/office/drawing/2014/main" id="{3BFAB1D3-969B-D1F8-4A11-3B846E5CCED1}"/>
+              </a:ext>
+            </a:extLst>
+          </p:cNvPr>
+          <p:cNvSpPr txBox="1">
+            <a:spLocks/>
+          </p:cNvSpPr>
+          <p:nvPr/>
+        </p:nvSpPr>
+        <p:spPr>
+          <a:xfrm>
+            <a:off x="838200" y="1825625"/>
+            <a:ext cx="4938486" cy="4351338"/>
+          </a:xfrm>
+          <a:prstGeom prst="rect">
+            <a:avLst/>
+          </a:prstGeom>
+        </p:spPr>
+        <p:txBody>
+          <a:bodyPr vert="horz" lIns="91440" tIns="45720" rIns="91440" bIns="45720" rtlCol="0">
+            <a:normAutofit/>
+          </a:bodyPr>
+          <a:lstStyle>
+            <a:lvl1pPr marL="228600" indent="-228600" algn="l" defTabSz="914400" rtl="0" eaLnBrk="1" latinLnBrk="0" hangingPunct="1">
+              <a:lnSpc>
+                <a:spcPct val="90000"/>
+              </a:lnSpc>
+              <a:spcBef>
+                <a:spcPts val="1000"/>
+              </a:spcBef>
+              <a:buFont typeface="Arial" panose="020B0604020202020204" pitchFamily="34" charset="0"/>
+              <a:buChar char="•"/>
+              <a:defRPr sz="2800" kern="1200">
+                <a:solidFill>
+                  <a:schemeClr val="tx1"/>
+                </a:solidFill>
+                <a:latin typeface="+mn-lt"/>
+                <a:ea typeface="+mn-ea"/>
+                <a:cs typeface="+mn-cs"/>
+              </a:defRPr>
+            </a:lvl1pPr>
+            <a:lvl2pPr marL="685800" indent="-228600" algn="l" defTabSz="914400" rtl="0" eaLnBrk="1" latinLnBrk="0" hangingPunct="1">
+              <a:lnSpc>
+                <a:spcPct val="90000"/>
+              </a:lnSpc>
+              <a:spcBef>
+                <a:spcPts val="500"/>
+              </a:spcBef>
+              <a:buFont typeface="Arial" panose="020B0604020202020204" pitchFamily="34" charset="0"/>
+              <a:buChar char="•"/>
+              <a:defRPr sz="2400" kern="1200">
+                <a:solidFill>
+                  <a:schemeClr val="tx1"/>
+                </a:solidFill>
+                <a:latin typeface="+mn-lt"/>
+                <a:ea typeface="+mn-ea"/>
+                <a:cs typeface="+mn-cs"/>
+              </a:defRPr>
+            </a:lvl2pPr>
+            <a:lvl3pPr marL="1143000" indent="-228600" algn="l" defTabSz="914400" rtl="0" eaLnBrk="1" latinLnBrk="0" hangingPunct="1">
+              <a:lnSpc>
+                <a:spcPct val="90000"/>
+              </a:lnSpc>
+              <a:spcBef>
+                <a:spcPts val="500"/>
+              </a:spcBef>
+              <a:buFont typeface="Arial" panose="020B0604020202020204" pitchFamily="34" charset="0"/>
+              <a:buChar char="•"/>
+              <a:defRPr sz="2000" kern="1200">
+                <a:solidFill>
+                  <a:schemeClr val="tx1"/>
+                </a:solidFill>
+                <a:latin typeface="+mn-lt"/>
+                <a:ea typeface="+mn-ea"/>
+                <a:cs typeface="+mn-cs"/>
+              </a:defRPr>
+            </a:lvl3pPr>
+            <a:lvl4pPr marL="1600200" indent="-228600" algn="l" defTabSz="914400" rtl="0" eaLnBrk="1" latinLnBrk="0" hangingPunct="1">
+              <a:lnSpc>
+                <a:spcPct val="90000"/>
+              </a:lnSpc>
+              <a:spcBef>
+                <a:spcPts val="500"/>
+              </a:spcBef>
+              <a:buFont typeface="Arial" panose="020B0604020202020204" pitchFamily="34" charset="0"/>
+              <a:buChar char="•"/>
+              <a:defRPr sz="1800" kern="1200">
+                <a:solidFill>
+                  <a:schemeClr val="tx1"/>
+                </a:solidFill>
+                <a:latin typeface="+mn-lt"/>
+                <a:ea typeface="+mn-ea"/>
+                <a:cs typeface="+mn-cs"/>
+              </a:defRPr>
+            </a:lvl4pPr>
+            <a:lvl5pPr marL="2057400" indent="-228600" algn="l" defTabSz="914400" rtl="0" eaLnBrk="1" latinLnBrk="0" hangingPunct="1">
+              <a:lnSpc>
+                <a:spcPct val="90000"/>
+              </a:lnSpc>
+              <a:spcBef>
+                <a:spcPts val="500"/>
+              </a:spcBef>
+              <a:buFont typeface="Arial" panose="020B0604020202020204" pitchFamily="34" charset="0"/>
+              <a:buChar char="•"/>
+              <a:defRPr sz="1800" kern="1200">
+                <a:solidFill>
+                  <a:schemeClr val="tx1"/>
+                </a:solidFill>
+                <a:latin typeface="+mn-lt"/>
+                <a:ea typeface="+mn-ea"/>
+                <a:cs typeface="+mn-cs"/>
+              </a:defRPr>
+            </a:lvl5pPr>
+            <a:lvl6pPr marL="2514600" indent="-228600" algn="l" defTabSz="914400" rtl="0" eaLnBrk="1" latinLnBrk="0" hangingPunct="1">
+              <a:lnSpc>
+                <a:spcPct val="90000"/>
+              </a:lnSpc>
+              <a:spcBef>
+                <a:spcPts val="500"/>
+              </a:spcBef>
+              <a:buFont typeface="Arial" panose="020B0604020202020204" pitchFamily="34" charset="0"/>
+              <a:buChar char="•"/>
+              <a:defRPr sz="1800" kern="1200">
+                <a:solidFill>
+                  <a:schemeClr val="tx1"/>
+                </a:solidFill>
+                <a:latin typeface="+mn-lt"/>
+                <a:ea typeface="+mn-ea"/>
+                <a:cs typeface="+mn-cs"/>
+              </a:defRPr>
+            </a:lvl6pPr>
+            <a:lvl7pPr marL="2971800" indent="-228600" algn="l" defTabSz="914400" rtl="0" eaLnBrk="1" latinLnBrk="0" hangingPunct="1">
+              <a:lnSpc>
+                <a:spcPct val="90000"/>
+              </a:lnSpc>
+              <a:spcBef>
+                <a:spcPts val="500"/>
+              </a:spcBef>
+              <a:buFont typeface="Arial" panose="020B0604020202020204" pitchFamily="34" charset="0"/>
+              <a:buChar char="•"/>
+              <a:defRPr sz="1800" kern="1200">
+                <a:solidFill>
+                  <a:schemeClr val="tx1"/>
+                </a:solidFill>
+                <a:latin typeface="+mn-lt"/>
+                <a:ea typeface="+mn-ea"/>
+                <a:cs typeface="+mn-cs"/>
+              </a:defRPr>
+            </a:lvl7pPr>
+            <a:lvl8pPr marL="3429000" indent="-228600" algn="l" defTabSz="914400" rtl="0" eaLnBrk="1" latinLnBrk="0" hangingPunct="1">
+              <a:lnSpc>
+                <a:spcPct val="90000"/>
+              </a:lnSpc>
+              <a:spcBef>
+                <a:spcPts val="500"/>
+              </a:spcBef>
+              <a:buFont typeface="Arial" panose="020B0604020202020204" pitchFamily="34" charset="0"/>
+              <a:buChar char="•"/>
+              <a:defRPr sz="1800" kern="1200">
+                <a:solidFill>
+                  <a:schemeClr val="tx1"/>
+                </a:solidFill>
+                <a:latin typeface="+mn-lt"/>
+                <a:ea typeface="+mn-ea"/>
+                <a:cs typeface="+mn-cs"/>
+              </a:defRPr>
+            </a:lvl8pPr>
+            <a:lvl9pPr marL="3886200" indent="-228600" algn="l" defTabSz="914400" rtl="0" eaLnBrk="1" latinLnBrk="0" hangingPunct="1">
+              <a:lnSpc>
+                <a:spcPct val="90000"/>
+              </a:lnSpc>
+              <a:spcBef>
+                <a:spcPts val="500"/>
+              </a:spcBef>
+              <a:buFont typeface="Arial" panose="020B0604020202020204" pitchFamily="34" charset="0"/>
+              <a:buChar char="•"/>
+              <a:defRPr sz="1800" kern="1200">
+                <a:solidFill>
+                  <a:schemeClr val="tx1"/>
+                </a:solidFill>
+                <a:latin typeface="+mn-lt"/>
+                <a:ea typeface="+mn-ea"/>
+                <a:cs typeface="+mn-cs"/>
+              </a:defRPr>
+            </a:lvl9pPr>
+          </a:lstStyle>
+          <a:p>
+            <a:r>
+              <a:rPr lang="en-US" dirty="0"/>
+              <a:t>Calculated by comparing the number of stitches from one row to the next</a:t>
+            </a:r>
+          </a:p>
+          <a:p>
+            <a:r>
+              <a:rPr lang="en-US" dirty="0"/>
+              <a:t>There are multiple methods for increasing and decreasing</a:t>
+            </a:r>
+          </a:p>
+          <a:p>
+            <a:pPr lvl="1"/>
+            <a:r>
+              <a:rPr lang="en-US" dirty="0"/>
+              <a:t>Methods used in this case are k2tog and </a:t>
+            </a:r>
+            <a:r>
+              <a:rPr lang="en-US" dirty="0" err="1"/>
+              <a:t>kfb</a:t>
+            </a:r>
+            <a:r>
+              <a:rPr lang="en-US" dirty="0"/>
+              <a:t>, respectively</a:t>
+            </a:r>
+          </a:p>
+          <a:p>
+            <a:pPr marL="0" indent="0">
+              <a:buFont typeface="Arial" panose="020B0604020202020204" pitchFamily="34" charset="0"/>
+              <a:buNone/>
+            </a:pPr>
+            <a:endParaRPr lang="en-US" dirty="0"/>
+          </a:p>
+        </p:txBody>
+      </p:sp>
+    </p:spTree>
+    <p:extLst>
+      <p:ext uri="{BB962C8B-B14F-4D97-AF65-F5344CB8AC3E}">
+        <p14:creationId xmlns:p14="http://schemas.microsoft.com/office/powerpoint/2010/main" val="951600702"/>
+      </p:ext>
+    </p:extLst>
+  </p:cSld>
+  <p:clrMapOvr>
+    <a:masterClrMapping/>
+  </p:clrMapOvr>
+</p:sld>
+</file>
+
+<file path=ppt/slides/slide8.xml><?xml version="1.0" encoding="utf-8"?>
+<p:sld xmlns:a="http://schemas.openxmlformats.org/drawingml/2006/main" xmlns:r="http://schemas.openxmlformats.org/officeDocument/2006/relationships" xmlns:p="http://schemas.openxmlformats.org/presentationml/2006/main">
+  <p:cSld>
+    <p:spTree>
+      <p:nvGrpSpPr>
+        <p:cNvPr id="1" name=""/>
+        <p:cNvGrpSpPr/>
+        <p:nvPr/>
+      </p:nvGrpSpPr>
+      <p:grpSpPr>
+        <a:xfrm>
+          <a:off x="0" y="0"/>
+          <a:ext cx="0" cy="0"/>
+          <a:chOff x="0" y="0"/>
+          <a:chExt cx="0" cy="0"/>
+        </a:xfrm>
+      </p:grpSpPr>
+      <p:sp>
+        <p:nvSpPr>
+          <p:cNvPr id="2" name="Title 1">
+            <a:extLst>
+              <a:ext uri="{FF2B5EF4-FFF2-40B4-BE49-F238E27FC236}">
+                <a16:creationId xmlns:a16="http://schemas.microsoft.com/office/drawing/2014/main" id="{F76BADFF-24FA-442D-6D0E-D21EC8352FA2}"/>
+              </a:ext>
+            </a:extLst>
+          </p:cNvPr>
+          <p:cNvSpPr>
+            <a:spLocks noGrp="1"/>
+          </p:cNvSpPr>
+          <p:nvPr>
+            <p:ph type="title"/>
+          </p:nvPr>
+        </p:nvSpPr>
+        <p:spPr/>
+        <p:txBody>
+          <a:bodyPr/>
+          <a:lstStyle/>
+          <a:p>
+            <a:r>
+              <a:rPr lang="en-US" dirty="0"/>
+              <a:t>Casting on and off</a:t>
+            </a:r>
+          </a:p>
+        </p:txBody>
+      </p:sp>
+      <p:sp>
+        <p:nvSpPr>
+          <p:cNvPr id="3" name="Content Placeholder 2">
+            <a:extLst>
+              <a:ext uri="{FF2B5EF4-FFF2-40B4-BE49-F238E27FC236}">
+                <a16:creationId xmlns:a16="http://schemas.microsoft.com/office/drawing/2014/main" id="{5C41658F-5F3E-77F3-215C-FAC57E7FF905}"/>
+              </a:ext>
+            </a:extLst>
+          </p:cNvPr>
+          <p:cNvSpPr>
+            <a:spLocks noGrp="1"/>
+          </p:cNvSpPr>
+          <p:nvPr>
+            <p:ph idx="1"/>
+          </p:nvPr>
+        </p:nvSpPr>
+        <p:spPr/>
+        <p:txBody>
+          <a:bodyPr/>
+          <a:lstStyle/>
+          <a:p>
+            <a:r>
+              <a:rPr lang="en-US" dirty="0"/>
+              <a:t>Top edge will be the cast-on edge</a:t>
+            </a:r>
+          </a:p>
+          <a:p>
+            <a:r>
+              <a:rPr lang="en-US" dirty="0"/>
+              <a:t>Bottom edge will be the cast-off edge</a:t>
+            </a:r>
+          </a:p>
+        </p:txBody>
+      </p:sp>
+      <p:sp>
+        <p:nvSpPr>
+          <p:cNvPr id="4" name="Slide Number Placeholder 3">
+            <a:extLst>
+              <a:ext uri="{FF2B5EF4-FFF2-40B4-BE49-F238E27FC236}">
+                <a16:creationId xmlns:a16="http://schemas.microsoft.com/office/drawing/2014/main" id="{C7DAF35B-4CEC-5599-4577-C7CD00DDA714}"/>
+              </a:ext>
+            </a:extLst>
+          </p:cNvPr>
+          <p:cNvSpPr>
+            <a:spLocks noGrp="1"/>
+          </p:cNvSpPr>
+          <p:nvPr>
+            <p:ph type="sldNum" sz="quarter" idx="12"/>
+          </p:nvPr>
+        </p:nvSpPr>
+        <p:spPr/>
+        <p:txBody>
+          <a:bodyPr/>
+          <a:lstStyle/>
+          <a:p>
+            <a:fld id="{EF961DAB-05CC-2546-A3F2-1CF17559E023}" type="slidenum">
+              <a:rPr lang="en-US" smtClean="0"/>
+              <a:t>8</a:t>
+            </a:fld>
+            <a:endParaRPr lang="en-US"/>
+          </a:p>
+        </p:txBody>
+      </p:sp>
+    </p:spTree>
+    <p:extLst>
+      <p:ext uri="{BB962C8B-B14F-4D97-AF65-F5344CB8AC3E}">
+        <p14:creationId xmlns:p14="http://schemas.microsoft.com/office/powerpoint/2010/main" val="2901184050"/>
+      </p:ext>
+    </p:extLst>
+  </p:cSld>
+  <p:clrMapOvr>
+    <a:masterClrMapping/>
+  </p:clrMapOvr>
+</p:sld>
+</file>
+
+<file path=ppt/slides/slide9.xml><?xml version="1.0" encoding="utf-8"?>
+<p:sld xmlns:a="http://schemas.openxmlformats.org/drawingml/2006/main" xmlns:r="http://schemas.openxmlformats.org/officeDocument/2006/relationships" xmlns:p="http://schemas.openxmlformats.org/presentationml/2006/main">
+  <p:cSld>
+    <p:spTree>
+      <p:nvGrpSpPr>
+        <p:cNvPr id="1" name=""/>
+        <p:cNvGrpSpPr/>
+        <p:nvPr/>
+      </p:nvGrpSpPr>
+      <p:grpSpPr>
+        <a:xfrm>
+          <a:off x="0" y="0"/>
+          <a:ext cx="0" cy="0"/>
+          <a:chOff x="0" y="0"/>
+          <a:chExt cx="0" cy="0"/>
+        </a:xfrm>
+      </p:grpSpPr>
+      <p:sp>
+        <p:nvSpPr>
+          <p:cNvPr id="2" name="Title 1">
+            <a:extLst>
+              <a:ext uri="{FF2B5EF4-FFF2-40B4-BE49-F238E27FC236}">
+                <a16:creationId xmlns:a16="http://schemas.microsoft.com/office/drawing/2014/main" id="{837CF237-5A2A-EB13-3A9E-3EBB3F177E24}"/>
+              </a:ext>
+            </a:extLst>
+          </p:cNvPr>
+          <p:cNvSpPr>
+            <a:spLocks noGrp="1"/>
+          </p:cNvSpPr>
+          <p:nvPr>
+            <p:ph type="title"/>
+          </p:nvPr>
+        </p:nvSpPr>
+        <p:spPr/>
+        <p:txBody>
+          <a:bodyPr/>
+          <a:lstStyle/>
+          <a:p>
+            <a:r>
+              <a:rPr lang="en-US" dirty="0"/>
+              <a:t>Knitting an Algorithm</a:t>
+            </a:r>
+          </a:p>
+        </p:txBody>
+      </p:sp>
+      <p:sp>
+        <p:nvSpPr>
+          <p:cNvPr id="3" name="Content Placeholder 2">
+            <a:extLst>
+              <a:ext uri="{FF2B5EF4-FFF2-40B4-BE49-F238E27FC236}">
+                <a16:creationId xmlns:a16="http://schemas.microsoft.com/office/drawing/2014/main" id="{924E3D92-9D90-41CB-A6E0-8AD0A5CA8447}"/>
+              </a:ext>
+            </a:extLst>
+          </p:cNvPr>
+          <p:cNvSpPr>
+            <a:spLocks noGrp="1"/>
+          </p:cNvSpPr>
+          <p:nvPr>
+            <p:ph idx="1"/>
+          </p:nvPr>
+        </p:nvSpPr>
+        <p:spPr/>
+        <p:txBody>
+          <a:bodyPr/>
+          <a:lstStyle/>
+          <a:p>
+            <a:r>
+              <a:rPr lang="en-US" dirty="0"/>
+              <a:t>Aims to algorithmically create knitting patterns from a drawn shape</a:t>
+            </a:r>
+          </a:p>
+          <a:p>
+            <a:r>
+              <a:rPr lang="en-US" dirty="0"/>
+              <a:t>How?</a:t>
+            </a:r>
+          </a:p>
+          <a:p>
+            <a:endParaRPr lang="en-US" dirty="0"/>
+          </a:p>
+          <a:p>
+            <a:endParaRPr lang="en-US" dirty="0"/>
+          </a:p>
+          <a:p>
+            <a:pPr marL="0" indent="0">
+              <a:buNone/>
+            </a:pPr>
+            <a:endParaRPr lang="en-US" dirty="0"/>
+          </a:p>
+          <a:p>
+            <a:pPr marL="0" indent="0">
+              <a:buNone/>
+            </a:pPr>
+            <a:r>
+              <a:rPr lang="en-US" dirty="0"/>
+              <a:t>Edge detection and math!</a:t>
+            </a:r>
+          </a:p>
+        </p:txBody>
+      </p:sp>
+      <p:sp>
+        <p:nvSpPr>
+          <p:cNvPr id="4" name="Slide Number Placeholder 3">
+            <a:extLst>
+              <a:ext uri="{FF2B5EF4-FFF2-40B4-BE49-F238E27FC236}">
+                <a16:creationId xmlns:a16="http://schemas.microsoft.com/office/drawing/2014/main" id="{58BB9450-8043-1DCA-F2CD-C96B3506571F}"/>
+              </a:ext>
+            </a:extLst>
+          </p:cNvPr>
+          <p:cNvSpPr>
+            <a:spLocks noGrp="1"/>
+          </p:cNvSpPr>
+          <p:nvPr>
+            <p:ph type="sldNum" sz="quarter" idx="12"/>
+          </p:nvPr>
+        </p:nvSpPr>
+        <p:spPr/>
+        <p:txBody>
+          <a:bodyPr/>
+          <a:lstStyle/>
+          <a:p>
+            <a:fld id="{EF961DAB-05CC-2546-A3F2-1CF17559E023}" type="slidenum">
+              <a:rPr lang="en-US" smtClean="0"/>
+              <a:t>9</a:t>
+            </a:fld>
+            <a:endParaRPr lang="en-US"/>
+          </a:p>
+        </p:txBody>
+      </p:sp>
+      <p:pic>
+        <p:nvPicPr>
+          <p:cNvPr id="7" name="Picture 6" descr="Shape&#10;&#10;Description automatically generated with medium confidence">
+            <a:extLst>
+              <a:ext uri="{FF2B5EF4-FFF2-40B4-BE49-F238E27FC236}">
+                <a16:creationId xmlns:a16="http://schemas.microsoft.com/office/drawing/2014/main" id="{11B523DC-1268-4DF2-77B5-58FB6CAFB3E9}"/>
+              </a:ext>
+            </a:extLst>
+          </p:cNvPr>
+          <p:cNvPicPr>
+            <a:picLocks noChangeAspect="1"/>
+          </p:cNvPicPr>
+          <p:nvPr/>
+        </p:nvPicPr>
+        <p:blipFill rotWithShape="1">
+          <a:blip r:embed="rId2"/>
+          <a:srcRect l="28067" r="38252"/>
+          <a:stretch/>
+        </p:blipFill>
+        <p:spPr>
+          <a:xfrm>
+            <a:off x="7649029" y="2116050"/>
+            <a:ext cx="4542971" cy="5395319"/>
+          </a:xfrm>
+          <a:prstGeom prst="rect">
+            <a:avLst/>
+          </a:prstGeom>
+        </p:spPr>
+      </p:pic>
+    </p:spTree>
+    <p:extLst>
+      <p:ext uri="{BB962C8B-B14F-4D97-AF65-F5344CB8AC3E}">
+        <p14:creationId xmlns:p14="http://schemas.microsoft.com/office/powerpoint/2010/main" val="535670946"/>
+      </p:ext>
+    </p:extLst>
+  </p:cSld>
+  <p:clrMapOvr>
+    <a:masterClrMapping/>
+  </p:clrMapOvr>
+  <p:timing>
+    <p:tnLst>
+      <p:par>
+        <p:cTn id="1" dur="indefinite" restart="never" nodeType="tmRoot">
+          <p:childTnLst>
+            <p:seq concurrent="1" nextAc="seek">
+              <p:cTn id="2" dur="indefinite" nodeType="mainSeq">
+                <p:childTnLst>
+                  <p:par>
+                    <p:cTn id="3" fill="hold">
+                      <p:stCondLst>
+                        <p:cond delay="indefinite"/>
+                      </p:stCondLst>
+                      <p:childTnLst>
+                        <p:par>
+                          <p:cTn id="4" fill="hold">
+                            <p:stCondLst>
+                              <p:cond delay="0"/>
+                            </p:stCondLst>
+                            <p:childTnLst>
+                              <p:par>
+                                <p:cTn id="5" presetID="1" presetClass="entr" presetSubtype="0" fill="hold" grpId="0" nodeType="clickEffect">
+                                  <p:stCondLst>
+                                    <p:cond delay="0"/>
+                                  </p:stCondLst>
+                                  <p:childTnLst>
+                                    <p:set>
+                                      <p:cBhvr>
+                                        <p:cTn id="6" dur="1" fill="hold">
+                                          <p:stCondLst>
+                                            <p:cond delay="0"/>
+                                          </p:stCondLst>
+                                        </p:cTn>
+                                        <p:tgtEl>
+                                          <p:spTgt spid="3">
+                                            <p:txEl>
+                                              <p:pRg st="0" end="0"/>
+                                            </p:txEl>
+                                          </p:spTgt>
+                                        </p:tgtEl>
+                                        <p:attrNameLst>
+                                          <p:attrName>style.visibility</p:attrName>
+                                        </p:attrNameLst>
+                                      </p:cBhvr>
+                                      <p:to>
+                                        <p:strVal val="visible"/>
+                                      </p:to>
+                                    </p:set>
+                                  </p:childTnLst>
+                                </p:cTn>
+                              </p:par>
+                            </p:childTnLst>
+                          </p:cTn>
+                        </p:par>
+                      </p:childTnLst>
+                    </p:cTn>
+                  </p:par>
+                  <p:par>
+                    <p:cTn id="7" fill="hold">
+                      <p:stCondLst>
+                        <p:cond delay="indefinite"/>
+                      </p:stCondLst>
+                      <p:childTnLst>
+                        <p:par>
+                          <p:cTn id="8" fill="hold">
+                            <p:stCondLst>
+                              <p:cond delay="0"/>
+                            </p:stCondLst>
+                            <p:childTnLst>
+                              <p:par>
+                                <p:cTn id="9" presetID="1" presetClass="entr" presetSubtype="0" fill="hold" grpId="0" nodeType="clickEffect">
+                                  <p:stCondLst>
+                                    <p:cond delay="0"/>
+                                  </p:stCondLst>
+                                  <p:childTnLst>
+                                    <p:set>
+                                      <p:cBhvr>
+                                        <p:cTn id="10" dur="1" fill="hold">
+                                          <p:stCondLst>
+                                            <p:cond delay="0"/>
+                                          </p:stCondLst>
+                                        </p:cTn>
+                                        <p:tgtEl>
+                                          <p:spTgt spid="3">
+                                            <p:txEl>
+                                              <p:pRg st="1" end="1"/>
+                                            </p:txEl>
+                                          </p:spTgt>
+                                        </p:tgtEl>
+                                        <p:attrNameLst>
+                                          <p:attrName>style.visibility</p:attrName>
+                                        </p:attrNameLst>
+                                      </p:cBhvr>
+                                      <p:to>
+                                        <p:strVal val="visible"/>
+                                      </p:to>
+                                    </p:set>
+                                  </p:childTnLst>
+                                </p:cTn>
+                              </p:par>
+                            </p:childTnLst>
+                          </p:cTn>
+                        </p:par>
+                      </p:childTnLst>
+                    </p:cTn>
+                  </p:par>
+                  <p:par>
+                    <p:cTn id="11" fill="hold">
+                      <p:stCondLst>
+                        <p:cond delay="indefinite"/>
+                      </p:stCondLst>
+                      <p:childTnLst>
+                        <p:par>
+                          <p:cTn id="12" fill="hold">
+                            <p:stCondLst>
+                              <p:cond delay="0"/>
+                            </p:stCondLst>
+                            <p:childTnLst>
+                              <p:par>
+                                <p:cTn id="13" presetID="1" presetClass="entr" presetSubtype="0" fill="hold" nodeType="clickEffect">
+                                  <p:stCondLst>
+                                    <p:cond delay="0"/>
+                                  </p:stCondLst>
+                                  <p:childTnLst>
+                                    <p:set>
+                                      <p:cBhvr>
+                                        <p:cTn id="14" dur="1" fill="hold">
+                                          <p:stCondLst>
+                                            <p:cond delay="0"/>
+                                          </p:stCondLst>
+                                        </p:cTn>
+                                        <p:tgtEl>
+                                          <p:spTgt spid="7"/>
+                                        </p:tgtEl>
+                                        <p:attrNameLst>
+                                          <p:attrName>style.visibility</p:attrName>
+                                        </p:attrNameLst>
+                                      </p:cBhvr>
+                                      <p:to>
+                                        <p:strVal val="visible"/>
+                                      </p:to>
+                                    </p:set>
+                                  </p:childTnLst>
+                                </p:cTn>
+                              </p:par>
+                            </p:childTnLst>
+                          </p:cTn>
+                        </p:par>
+                      </p:childTnLst>
+                    </p:cTn>
+                  </p:par>
+                  <p:par>
+                    <p:cTn id="15" fill="hold">
+                      <p:stCondLst>
+                        <p:cond delay="indefinite"/>
+                      </p:stCondLst>
+                      <p:childTnLst>
+                        <p:par>
+                          <p:cTn id="16" fill="hold">
+                            <p:stCondLst>
+                              <p:cond delay="0"/>
+                            </p:stCondLst>
+                            <p:childTnLst>
+                              <p:par>
+                                <p:cTn id="17" presetID="1" presetClass="entr" presetSubtype="0" fill="hold" grpId="0" nodeType="clickEffect">
+                                  <p:stCondLst>
+                                    <p:cond delay="0"/>
+                                  </p:stCondLst>
+                                  <p:childTnLst>
+                                    <p:set>
+                                      <p:cBhvr>
+                                        <p:cTn id="18" dur="1" fill="hold">
+                                          <p:stCondLst>
+                                            <p:cond delay="0"/>
+                                          </p:stCondLst>
+                                        </p:cTn>
+                                        <p:tgtEl>
+                                          <p:spTgt spid="3">
+                                            <p:txEl>
+                                              <p:pRg st="5" end="5"/>
+                                            </p:txEl>
+                                          </p:spTgt>
+                                        </p:tgtEl>
+                                        <p:attrNameLst>
+                                          <p:attrName>style.visibility</p:attrName>
+                                        </p:attrNameLst>
+                                      </p:cBhvr>
+                                      <p:to>
+                                        <p:strVal val="visible"/>
+                                      </p:to>
+                                    </p:set>
+                                  </p:childTnLst>
+                                </p:cTn>
+                              </p:par>
+                            </p:childTnLst>
+                          </p:cTn>
+                        </p:par>
+                      </p:childTnLst>
+                    </p:cTn>
+                  </p:par>
+                </p:childTnLst>
+              </p:cTn>
+              <p:prevCondLst>
+                <p:cond evt="onPrev" delay="0">
+                  <p:tgtEl>
+                    <p:sldTgt/>
+                  </p:tgtEl>
+                </p:cond>
+              </p:prevCondLst>
+              <p:nextCondLst>
+                <p:cond evt="onNext" delay="0">
+                  <p:tgtEl>
+                    <p:sldTgt/>
+                  </p:tgtEl>
+                </p:cond>
+              </p:nextCondLst>
+            </p:seq>
+          </p:childTnLst>
+        </p:cTn>
+      </p:par>
+    </p:tnLst>
+    <p:bldLst>
+      <p:bldP spid="3" grpId="0" uiExpand="1" build="p"/>
+    </p:bldLst>
+  </p:timing>
 </p:sld>
 </file>
 
@@ -3705,4 +7527,299 @@
     </a:ext>
   </a:extLst>
 </a:theme>
+</file>
+
+<file path=ppt/theme/theme2.xml><?xml version="1.0" encoding="utf-8"?>
+<a:theme xmlns:a="http://schemas.openxmlformats.org/drawingml/2006/main" name="Office Theme">
+  <a:themeElements>
+    <a:clrScheme name="Office">
+      <a:dk1>
+        <a:sysClr val="windowText" lastClr="000000"/>
+      </a:dk1>
+      <a:lt1>
+        <a:sysClr val="window" lastClr="FFFFFF"/>
+      </a:lt1>
+      <a:dk2>
+        <a:srgbClr val="44546A"/>
+      </a:dk2>
+      <a:lt2>
+        <a:srgbClr val="E7E6E6"/>
+      </a:lt2>
+      <a:accent1>
+        <a:srgbClr val="4472C4"/>
+      </a:accent1>
+      <a:accent2>
+        <a:srgbClr val="ED7D31"/>
+      </a:accent2>
+      <a:accent3>
+        <a:srgbClr val="A5A5A5"/>
+      </a:accent3>
+      <a:accent4>
+        <a:srgbClr val="FFC000"/>
+      </a:accent4>
+      <a:accent5>
+        <a:srgbClr val="5B9BD5"/>
+      </a:accent5>
+      <a:accent6>
+        <a:srgbClr val="70AD47"/>
+      </a:accent6>
+      <a:hlink>
+        <a:srgbClr val="0563C1"/>
+      </a:hlink>
+      <a:folHlink>
+        <a:srgbClr val="954F72"/>
+      </a:folHlink>
+    </a:clrScheme>
+    <a:fontScheme name="Office">
+      <a:majorFont>
+        <a:latin typeface="Calibri Light" panose="020F0302020204030204"/>
+        <a:ea typeface=""/>
+        <a:cs typeface=""/>
+        <a:font script="Jpan" typeface="游ゴシック Light"/>
+        <a:font script="Hang" typeface="맑은 고딕"/>
+        <a:font script="Hans" typeface="等线 Light"/>
+        <a:font script="Hant" typeface="新細明體"/>
+        <a:font script="Arab" typeface="Times New Roman"/>
+        <a:font script="Hebr" typeface="Times New Roman"/>
+        <a:font script="Thai" typeface="Angsana New"/>
+        <a:font script="Ethi" typeface="Nyala"/>
+        <a:font script="Beng" typeface="Vrinda"/>
+        <a:font script="Gujr" typeface="Shruti"/>
+        <a:font script="Khmr" typeface="MoolBoran"/>
+        <a:font script="Knda" typeface="Tunga"/>
+        <a:font script="Guru" typeface="Raavi"/>
+        <a:font script="Cans" typeface="Euphemia"/>
+        <a:font script="Cher" typeface="Plantagenet Cherokee"/>
+        <a:font script="Yiii" typeface="Microsoft Yi Baiti"/>
+        <a:font script="Tibt" typeface="Microsoft Himalaya"/>
+        <a:font script="Thaa" typeface="MV Boli"/>
+        <a:font script="Deva" typeface="Mangal"/>
+        <a:font script="Telu" typeface="Gautami"/>
+        <a:font script="Taml" typeface="Latha"/>
+        <a:font script="Syrc" typeface="Estrangelo Edessa"/>
+        <a:font script="Orya" typeface="Kalinga"/>
+        <a:font script="Mlym" typeface="Kartika"/>
+        <a:font script="Laoo" typeface="DokChampa"/>
+        <a:font script="Sinh" typeface="Iskoola Pota"/>
+        <a:font script="Mong" typeface="Mongolian Baiti"/>
+        <a:font script="Viet" typeface="Times New Roman"/>
+        <a:font script="Uigh" typeface="Microsoft Uighur"/>
+        <a:font script="Geor" typeface="Sylfaen"/>
+        <a:font script="Armn" typeface="Arial"/>
+        <a:font script="Bugi" typeface="Leelawadee UI"/>
+        <a:font script="Bopo" typeface="Microsoft JhengHei"/>
+        <a:font script="Java" typeface="Javanese Text"/>
+        <a:font script="Lisu" typeface="Segoe UI"/>
+        <a:font script="Mymr" typeface="Myanmar Text"/>
+        <a:font script="Nkoo" typeface="Ebrima"/>
+        <a:font script="Olck" typeface="Nirmala UI"/>
+        <a:font script="Osma" typeface="Ebrima"/>
+        <a:font script="Phag" typeface="Phagspa"/>
+        <a:font script="Syrn" typeface="Estrangelo Edessa"/>
+        <a:font script="Syrj" typeface="Estrangelo Edessa"/>
+        <a:font script="Syre" typeface="Estrangelo Edessa"/>
+        <a:font script="Sora" typeface="Nirmala UI"/>
+        <a:font script="Tale" typeface="Microsoft Tai Le"/>
+        <a:font script="Talu" typeface="Microsoft New Tai Lue"/>
+        <a:font script="Tfng" typeface="Ebrima"/>
+      </a:majorFont>
+      <a:minorFont>
+        <a:latin typeface="Calibri" panose="020F0502020204030204"/>
+        <a:ea typeface=""/>
+        <a:cs typeface=""/>
+        <a:font script="Jpan" typeface="游ゴシック"/>
+        <a:font script="Hang" typeface="맑은 고딕"/>
+        <a:font script="Hans" typeface="等线"/>
+        <a:font script="Hant" typeface="新細明體"/>
+        <a:font script="Arab" typeface="Arial"/>
+        <a:font script="Hebr" typeface="Arial"/>
+        <a:font script="Thai" typeface="Cordia New"/>
+        <a:font script="Ethi" typeface="Nyala"/>
+        <a:font script="Beng" typeface="Vrinda"/>
+        <a:font script="Gujr" typeface="Shruti"/>
+        <a:font script="Khmr" typeface="DaunPenh"/>
+        <a:font script="Knda" typeface="Tunga"/>
+        <a:font script="Guru" typeface="Raavi"/>
+        <a:font script="Cans" typeface="Euphemia"/>
+        <a:font script="Cher" typeface="Plantagenet Cherokee"/>
+        <a:font script="Yiii" typeface="Microsoft Yi Baiti"/>
+        <a:font script="Tibt" typeface="Microsoft Himalaya"/>
+        <a:font script="Thaa" typeface="MV Boli"/>
+        <a:font script="Deva" typeface="Mangal"/>
+        <a:font script="Telu" typeface="Gautami"/>
+        <a:font script="Taml" typeface="Latha"/>
+        <a:font script="Syrc" typeface="Estrangelo Edessa"/>
+        <a:font script="Orya" typeface="Kalinga"/>
+        <a:font script="Mlym" typeface="Kartika"/>
+        <a:font script="Laoo" typeface="DokChampa"/>
+        <a:font script="Sinh" typeface="Iskoola Pota"/>
+        <a:font script="Mong" typeface="Mongolian Baiti"/>
+        <a:font script="Viet" typeface="Arial"/>
+        <a:font script="Uigh" typeface="Microsoft Uighur"/>
+        <a:font script="Geor" typeface="Sylfaen"/>
+        <a:font script="Armn" typeface="Arial"/>
+        <a:font script="Bugi" typeface="Leelawadee UI"/>
+        <a:font script="Bopo" typeface="Microsoft JhengHei"/>
+        <a:font script="Java" typeface="Javanese Text"/>
+        <a:font script="Lisu" typeface="Segoe UI"/>
+        <a:font script="Mymr" typeface="Myanmar Text"/>
+        <a:font script="Nkoo" typeface="Ebrima"/>
+        <a:font script="Olck" typeface="Nirmala UI"/>
+        <a:font script="Osma" typeface="Ebrima"/>
+        <a:font script="Phag" typeface="Phagspa"/>
+        <a:font script="Syrn" typeface="Estrangelo Edessa"/>
+        <a:font script="Syrj" typeface="Estrangelo Edessa"/>
+        <a:font script="Syre" typeface="Estrangelo Edessa"/>
+        <a:font script="Sora" typeface="Nirmala UI"/>
+        <a:font script="Tale" typeface="Microsoft Tai Le"/>
+        <a:font script="Talu" typeface="Microsoft New Tai Lue"/>
+        <a:font script="Tfng" typeface="Ebrima"/>
+      </a:minorFont>
+    </a:fontScheme>
+    <a:fmtScheme name="Office">
+      <a:fillStyleLst>
+        <a:solidFill>
+          <a:schemeClr val="phClr"/>
+        </a:solidFill>
+        <a:gradFill rotWithShape="1">
+          <a:gsLst>
+            <a:gs pos="0">
+              <a:schemeClr val="phClr">
+                <a:lumMod val="110000"/>
+                <a:satMod val="105000"/>
+                <a:tint val="67000"/>
+              </a:schemeClr>
+            </a:gs>
+            <a:gs pos="50000">
+              <a:schemeClr val="phClr">
+                <a:lumMod val="105000"/>
+                <a:satMod val="103000"/>
+                <a:tint val="73000"/>
+              </a:schemeClr>
+            </a:gs>
+            <a:gs pos="100000">
+              <a:schemeClr val="phClr">
+                <a:lumMod val="105000"/>
+                <a:satMod val="109000"/>
+                <a:tint val="81000"/>
+              </a:schemeClr>
+            </a:gs>
+          </a:gsLst>
+          <a:lin ang="5400000" scaled="0"/>
+        </a:gradFill>
+        <a:gradFill rotWithShape="1">
+          <a:gsLst>
+            <a:gs pos="0">
+              <a:schemeClr val="phClr">
+                <a:satMod val="103000"/>
+                <a:lumMod val="102000"/>
+                <a:tint val="94000"/>
+              </a:schemeClr>
+            </a:gs>
+            <a:gs pos="50000">
+              <a:schemeClr val="phClr">
+                <a:satMod val="110000"/>
+                <a:lumMod val="100000"/>
+                <a:shade val="100000"/>
+              </a:schemeClr>
+            </a:gs>
+            <a:gs pos="100000">
+              <a:schemeClr val="phClr">
+                <a:lumMod val="99000"/>
+                <a:satMod val="120000"/>
+                <a:shade val="78000"/>
+              </a:schemeClr>
+            </a:gs>
+          </a:gsLst>
+          <a:lin ang="5400000" scaled="0"/>
+        </a:gradFill>
+      </a:fillStyleLst>
+      <a:lnStyleLst>
+        <a:ln w="6350" cap="flat" cmpd="sng" algn="ctr">
+          <a:solidFill>
+            <a:schemeClr val="phClr"/>
+          </a:solidFill>
+          <a:prstDash val="solid"/>
+          <a:miter lim="800000"/>
+        </a:ln>
+        <a:ln w="12700" cap="flat" cmpd="sng" algn="ctr">
+          <a:solidFill>
+            <a:schemeClr val="phClr"/>
+          </a:solidFill>
+          <a:prstDash val="solid"/>
+          <a:miter lim="800000"/>
+        </a:ln>
+        <a:ln w="19050" cap="flat" cmpd="sng" algn="ctr">
+          <a:solidFill>
+            <a:schemeClr val="phClr"/>
+          </a:solidFill>
+          <a:prstDash val="solid"/>
+          <a:miter lim="800000"/>
+        </a:ln>
+      </a:lnStyleLst>
+      <a:effectStyleLst>
+        <a:effectStyle>
+          <a:effectLst/>
+        </a:effectStyle>
+        <a:effectStyle>
+          <a:effectLst/>
+        </a:effectStyle>
+        <a:effectStyle>
+          <a:effectLst>
+            <a:outerShdw blurRad="57150" dist="19050" dir="5400000" algn="ctr" rotWithShape="0">
+              <a:srgbClr val="000000">
+                <a:alpha val="63000"/>
+              </a:srgbClr>
+            </a:outerShdw>
+          </a:effectLst>
+        </a:effectStyle>
+      </a:effectStyleLst>
+      <a:bgFillStyleLst>
+        <a:solidFill>
+          <a:schemeClr val="phClr"/>
+        </a:solidFill>
+        <a:solidFill>
+          <a:schemeClr val="phClr">
+            <a:tint val="95000"/>
+            <a:satMod val="170000"/>
+          </a:schemeClr>
+        </a:solidFill>
+        <a:gradFill rotWithShape="1">
+          <a:gsLst>
+            <a:gs pos="0">
+              <a:schemeClr val="phClr">
+                <a:tint val="93000"/>
+                <a:satMod val="150000"/>
+                <a:shade val="98000"/>
+                <a:lumMod val="102000"/>
+              </a:schemeClr>
+            </a:gs>
+            <a:gs pos="50000">
+              <a:schemeClr val="phClr">
+                <a:tint val="98000"/>
+                <a:satMod val="130000"/>
+                <a:shade val="90000"/>
+                <a:lumMod val="103000"/>
+              </a:schemeClr>
+            </a:gs>
+            <a:gs pos="100000">
+              <a:schemeClr val="phClr">
+                <a:shade val="63000"/>
+                <a:satMod val="120000"/>
+              </a:schemeClr>
+            </a:gs>
+          </a:gsLst>
+          <a:lin ang="5400000" scaled="0"/>
+        </a:gradFill>
+      </a:bgFillStyleLst>
+    </a:fmtScheme>
+  </a:themeElements>
+  <a:objectDefaults/>
+  <a:extraClrSchemeLst/>
+  <a:extLst>
+    <a:ext uri="{05A4C25C-085E-4340-85A3-A5531E510DB2}">
+      <thm15:themeFamily xmlns:thm15="http://schemas.microsoft.com/office/thememl/2012/main" name="Office Theme" id="{62F939B6-93AF-4DB8-9C6B-D6C7DFDC589F}" vid="{4A3C46E8-61CC-4603-A589-7422A47A8E4A}"/>
+    </a:ext>
+  </a:extLst>
+</a:theme>
 </file>